--- a/01-EclipseAndGithub.pptx
+++ b/01-EclipseAndGithub.pptx
@@ -5824,7 +5824,11 @@
             </a:pPr>
             <a:r>
               <a:rPr lang="en-US" dirty="0" smtClean="0"/>
-              <a:t>Go to https://github.com/mcgill-ecse321/class-notes</a:t>
+              <a:t>Go to </a:t>
+            </a:r>
+            <a:r>
+              <a:rPr lang="en-US" dirty="0" smtClean="0"/>
+              <a:t>https://github.com/shabbir-hussain/ecse321tutW15</a:t>
             </a:r>
           </a:p>
           <a:p>
@@ -5833,7 +5837,11 @@
             </a:pPr>
             <a:r>
               <a:rPr lang="en-US" dirty="0" smtClean="0"/>
-              <a:t>Find the link to clone on the right hand side</a:t>
+              <a:t>Find </a:t>
+            </a:r>
+            <a:r>
+              <a:rPr lang="en-US" dirty="0" smtClean="0"/>
+              <a:t>the link to clone on the right hand side</a:t>
             </a:r>
           </a:p>
           <a:p>
@@ -5842,24 +5850,21 @@
             </a:pPr>
             <a:r>
               <a:rPr lang="en-US" dirty="0" smtClean="0"/>
-              <a:t>Type the command ‘</a:t>
+              <a:t>Type the command </a:t>
+            </a:r>
+            <a:r>
+              <a:rPr lang="en-US" dirty="0" smtClean="0"/>
+              <a:t>‘https://github.com/</a:t>
             </a:r>
             <a:r>
               <a:rPr lang="en-US" dirty="0" err="1" smtClean="0"/>
-              <a:t>git</a:t>
+              <a:t>shabbir-hussain</a:t>
             </a:r>
             <a:r>
               <a:rPr lang="en-US" dirty="0" smtClean="0"/>
-              <a:t> clone  git@github.com:mcgill-ecse321/class-</a:t>
-            </a:r>
-            <a:r>
-              <a:rPr lang="en-US" dirty="0" err="1" smtClean="0"/>
-              <a:t>notes.git</a:t>
-            </a:r>
-            <a:r>
-              <a:rPr lang="en-US" dirty="0" smtClean="0"/>
-              <a:t>’ </a:t>
-            </a:r>
+              <a:t>/ecse321tutW15.git’ </a:t>
+            </a:r>
+            <a:endParaRPr lang="en-US" dirty="0" smtClean="0"/>
           </a:p>
           <a:p>
             <a:pPr marL="228600" indent="-228600">
@@ -8970,11 +8975,7 @@
             </a:r>
             <a:r>
               <a:rPr lang="en-US" dirty="0" smtClean="0"/>
-              <a:t> </a:t>
-            </a:r>
-            <a:r>
-              <a:rPr lang="en-US" dirty="0" smtClean="0"/>
-              <a:t>and </a:t>
+              <a:t> and </a:t>
             </a:r>
             <a:r>
               <a:rPr lang="en-US" dirty="0" err="1"/>
@@ -9152,13 +9153,61 @@
           <a:p>
             <a:r>
               <a:rPr lang="en-US" dirty="0" smtClean="0"/>
-              <a:t>You need it for this class</a:t>
-            </a:r>
-          </a:p>
-          <a:p>
+              <a:t>You </a:t>
+            </a:r>
+            <a:r>
+              <a:rPr lang="en-US" b="1" dirty="0" smtClean="0">
+                <a:solidFill>
+                  <a:srgbClr val="00B050"/>
+                </a:solidFill>
+              </a:rPr>
+              <a:t>need</a:t>
+            </a:r>
+            <a:r>
+              <a:rPr lang="en-US" dirty="0" smtClean="0">
+                <a:solidFill>
+                  <a:srgbClr val="00B050"/>
+                </a:solidFill>
+              </a:rPr>
+              <a:t> </a:t>
+            </a:r>
             <a:r>
               <a:rPr lang="en-US" dirty="0" smtClean="0"/>
-              <a:t>It’s a great way to sync your code with your team</a:t>
+              <a:t>it for this class</a:t>
+            </a:r>
+          </a:p>
+          <a:p>
+            <a:r>
+              <a:rPr lang="en-US" dirty="0" smtClean="0"/>
+              <a:t>It’s a great way to </a:t>
+            </a:r>
+            <a:r>
+              <a:rPr lang="en-US" b="1" dirty="0" smtClean="0">
+                <a:solidFill>
+                  <a:srgbClr val="0070C0"/>
+                </a:solidFill>
+              </a:rPr>
+              <a:t>sync</a:t>
+            </a:r>
+            <a:r>
+              <a:rPr lang="en-US" dirty="0" smtClean="0">
+                <a:solidFill>
+                  <a:srgbClr val="0070C0"/>
+                </a:solidFill>
+              </a:rPr>
+              <a:t> </a:t>
+            </a:r>
+            <a:r>
+              <a:rPr lang="en-US" dirty="0" smtClean="0"/>
+              <a:t>your code with your </a:t>
+            </a:r>
+            <a:r>
+              <a:rPr lang="en-US" b="1" dirty="0" smtClean="0">
+                <a:solidFill>
+                  <a:srgbClr val="0070C0"/>
+                </a:solidFill>
+              </a:rPr>
+              <a:t>team</a:t>
             </a:r>
           </a:p>
           <a:p>
@@ -9167,15 +9216,31 @@
               <a:t>Because using </a:t>
             </a:r>
             <a:r>
-              <a:rPr lang="en-US" dirty="0" err="1" smtClean="0"/>
+              <a:rPr lang="en-US" b="1" dirty="0" err="1" smtClean="0">
+                <a:solidFill>
+                  <a:srgbClr val="FF0000"/>
+                </a:solidFill>
+              </a:rPr>
               <a:t>dropbox</a:t>
             </a:r>
             <a:r>
+              <a:rPr lang="en-US" dirty="0" smtClean="0">
+                <a:solidFill>
+                  <a:srgbClr val="FF0000"/>
+                </a:solidFill>
+              </a:rPr>
+              <a:t> </a:t>
+            </a:r>
+            <a:r>
               <a:rPr lang="en-US" dirty="0" smtClean="0"/>
-              <a:t> to sync your code is </a:t>
-            </a:r>
-            <a:r>
-              <a:rPr lang="en-US" u="sng" dirty="0" smtClean="0"/>
+              <a:t>to sync your code is </a:t>
+            </a:r>
+            <a:r>
+              <a:rPr lang="en-US" b="1" u="sng" dirty="0" smtClean="0">
+                <a:solidFill>
+                  <a:srgbClr val="FF0000"/>
+                </a:solidFill>
+              </a:rPr>
               <a:t>so last semester</a:t>
             </a:r>
           </a:p>
@@ -9592,7 +9657,12 @@
             <p:ph type="title"/>
           </p:nvPr>
         </p:nvSpPr>
-        <p:spPr/>
+        <p:spPr>
+          <a:xfrm>
+            <a:off x="838200" y="393701"/>
+            <a:ext cx="10515600" cy="1325563"/>
+          </a:xfrm>
+        </p:spPr>
         <p:txBody>
           <a:bodyPr/>
           <a:lstStyle/>
@@ -9602,88 +9672,17 @@
               <a:t>Getting the </a:t>
             </a:r>
             <a:r>
-              <a:rPr lang="en-US" dirty="0" err="1" smtClean="0"/>
-              <a:t>Tuorial</a:t>
-            </a:r>
-            <a:r>
               <a:rPr lang="en-US" dirty="0" smtClean="0"/>
-              <a:t> notes</a:t>
+              <a:t>Tutorial </a:t>
+            </a:r>
+            <a:r>
+              <a:rPr lang="en-US" dirty="0" smtClean="0"/>
+              <a:t>notes</a:t>
             </a:r>
             <a:endParaRPr lang="en-US" dirty="0"/>
           </a:p>
         </p:txBody>
       </p:sp>
-      <p:pic>
-        <p:nvPicPr>
-          <p:cNvPr id="3" name="Picture 2"/>
-          <p:cNvPicPr>
-            <a:picLocks noChangeAspect="1"/>
-          </p:cNvPicPr>
-          <p:nvPr/>
-        </p:nvPicPr>
-        <p:blipFill>
-          <a:blip r:embed="rId3"/>
-          <a:stretch>
-            <a:fillRect/>
-          </a:stretch>
-        </p:blipFill>
-        <p:spPr>
-          <a:xfrm>
-            <a:off x="201470" y="1956040"/>
-            <a:ext cx="4552950" cy="285750"/>
-          </a:xfrm>
-          <a:prstGeom prst="rect">
-            <a:avLst/>
-          </a:prstGeom>
-        </p:spPr>
-      </p:pic>
-      <p:pic>
-        <p:nvPicPr>
-          <p:cNvPr id="4" name="Picture 3"/>
-          <p:cNvPicPr>
-            <a:picLocks noChangeAspect="1"/>
-          </p:cNvPicPr>
-          <p:nvPr/>
-        </p:nvPicPr>
-        <p:blipFill rotWithShape="1">
-          <a:blip r:embed="rId4"/>
-          <a:srcRect l="23054" t="26979"/>
-          <a:stretch/>
-        </p:blipFill>
-        <p:spPr>
-          <a:xfrm>
-            <a:off x="4033587" y="2343538"/>
-            <a:ext cx="3261438" cy="2775171"/>
-          </a:xfrm>
-          <a:prstGeom prst="rect">
-            <a:avLst/>
-          </a:prstGeom>
-        </p:spPr>
-      </p:pic>
-      <p:pic>
-        <p:nvPicPr>
-          <p:cNvPr id="8" name="Picture 7"/>
-          <p:cNvPicPr>
-            <a:picLocks noChangeAspect="1"/>
-          </p:cNvPicPr>
-          <p:nvPr/>
-        </p:nvPicPr>
-        <p:blipFill>
-          <a:blip r:embed="rId5"/>
-          <a:stretch>
-            <a:fillRect/>
-          </a:stretch>
-        </p:blipFill>
-        <p:spPr>
-          <a:xfrm>
-            <a:off x="6096000" y="5578309"/>
-            <a:ext cx="5929279" cy="793010"/>
-          </a:xfrm>
-          <a:prstGeom prst="rect">
-            <a:avLst/>
-          </a:prstGeom>
-        </p:spPr>
-      </p:pic>
       <p:sp>
         <p:nvSpPr>
           <p:cNvPr id="16" name="Oval 15"/>
@@ -9762,7 +9761,7 @@
         </p:nvSpPr>
         <p:spPr>
           <a:xfrm>
-            <a:off x="6977543" y="1825385"/>
+            <a:off x="5572721" y="2633244"/>
             <a:ext cx="614863" cy="614863"/>
           </a:xfrm>
           <a:prstGeom prst="ellipse">
@@ -9832,7 +9831,7 @@
         </p:nvSpPr>
         <p:spPr>
           <a:xfrm>
-            <a:off x="11353800" y="5270878"/>
+            <a:off x="4344042" y="5540230"/>
             <a:ext cx="614863" cy="614863"/>
           </a:xfrm>
           <a:prstGeom prst="ellipse">
@@ -9897,15 +9896,12 @@
       <p:cxnSp>
         <p:nvCxnSpPr>
           <p:cNvPr id="12" name="Elbow Connector 11"/>
-          <p:cNvCxnSpPr>
-            <a:stCxn id="3" idx="2"/>
-            <a:endCxn id="4" idx="1"/>
-          </p:cNvCxnSpPr>
+          <p:cNvCxnSpPr/>
           <p:nvPr/>
         </p:nvCxnSpPr>
         <p:spPr>
           <a:xfrm rot="16200000" flipH="1">
-            <a:off x="2511099" y="2208636"/>
+            <a:off x="871354" y="2354435"/>
             <a:ext cx="1489334" cy="1555642"/>
           </a:xfrm>
           <a:prstGeom prst="bentConnector2">
@@ -9933,15 +9929,12 @@
       <p:cxnSp>
         <p:nvCxnSpPr>
           <p:cNvPr id="18" name="Elbow Connector 17"/>
-          <p:cNvCxnSpPr>
-            <a:stCxn id="4" idx="2"/>
-            <a:endCxn id="8" idx="1"/>
-          </p:cNvCxnSpPr>
+          <p:cNvCxnSpPr/>
           <p:nvPr/>
         </p:nvCxnSpPr>
         <p:spPr>
           <a:xfrm rot="16200000" flipH="1">
-            <a:off x="5452101" y="5330914"/>
+            <a:off x="3915990" y="5724265"/>
             <a:ext cx="856105" cy="431694"/>
           </a:xfrm>
           <a:prstGeom prst="bentConnector2">
@@ -9966,6 +9959,124 @@
           </a:fontRef>
         </p:style>
       </p:cxnSp>
+      <p:pic>
+        <p:nvPicPr>
+          <p:cNvPr id="5" name="Picture 4"/>
+          <p:cNvPicPr>
+            <a:picLocks noChangeAspect="1"/>
+          </p:cNvPicPr>
+          <p:nvPr/>
+        </p:nvPicPr>
+        <p:blipFill>
+          <a:blip r:embed="rId3"/>
+          <a:stretch>
+            <a:fillRect/>
+          </a:stretch>
+        </p:blipFill>
+        <p:spPr>
+          <a:xfrm>
+            <a:off x="614863" y="1917938"/>
+            <a:ext cx="5105400" cy="323850"/>
+          </a:xfrm>
+          <a:prstGeom prst="rect">
+            <a:avLst/>
+          </a:prstGeom>
+        </p:spPr>
+      </p:pic>
+      <p:pic>
+        <p:nvPicPr>
+          <p:cNvPr id="6" name="Picture 5"/>
+          <p:cNvPicPr>
+            <a:picLocks noChangeAspect="1"/>
+          </p:cNvPicPr>
+          <p:nvPr/>
+        </p:nvPicPr>
+        <p:blipFill>
+          <a:blip r:embed="rId4"/>
+          <a:stretch>
+            <a:fillRect/>
+          </a:stretch>
+        </p:blipFill>
+        <p:spPr>
+          <a:xfrm>
+            <a:off x="2759628" y="2933300"/>
+            <a:ext cx="2754740" cy="2522905"/>
+          </a:xfrm>
+          <a:prstGeom prst="rect">
+            <a:avLst/>
+          </a:prstGeom>
+        </p:spPr>
+      </p:pic>
+      <p:sp>
+        <p:nvSpPr>
+          <p:cNvPr id="7" name="Oval 6"/>
+          <p:cNvSpPr/>
+          <p:nvPr/>
+        </p:nvSpPr>
+        <p:spPr>
+          <a:xfrm>
+            <a:off x="4490628" y="2940676"/>
+            <a:ext cx="1229635" cy="887911"/>
+          </a:xfrm>
+          <a:prstGeom prst="ellipse">
+            <a:avLst/>
+          </a:prstGeom>
+          <a:noFill/>
+          <a:ln>
+            <a:solidFill>
+              <a:srgbClr val="FF0000"/>
+            </a:solidFill>
+          </a:ln>
+        </p:spPr>
+        <p:style>
+          <a:lnRef idx="2">
+            <a:schemeClr val="accent1">
+              <a:shade val="50000"/>
+            </a:schemeClr>
+          </a:lnRef>
+          <a:fillRef idx="1">
+            <a:schemeClr val="accent1"/>
+          </a:fillRef>
+          <a:effectRef idx="0">
+            <a:schemeClr val="accent1"/>
+          </a:effectRef>
+          <a:fontRef idx="minor">
+            <a:schemeClr val="lt1"/>
+          </a:fontRef>
+        </p:style>
+        <p:txBody>
+          <a:bodyPr rtlCol="0" anchor="ctr"/>
+          <a:lstStyle/>
+          <a:p>
+            <a:pPr algn="ctr"/>
+            <a:endParaRPr lang="en-CA"/>
+          </a:p>
+        </p:txBody>
+      </p:sp>
+      <p:pic>
+        <p:nvPicPr>
+          <p:cNvPr id="9" name="Picture 8"/>
+          <p:cNvPicPr>
+            <a:picLocks noChangeAspect="1"/>
+          </p:cNvPicPr>
+          <p:nvPr/>
+        </p:nvPicPr>
+        <p:blipFill>
+          <a:blip r:embed="rId5"/>
+          <a:stretch>
+            <a:fillRect/>
+          </a:stretch>
+        </p:blipFill>
+        <p:spPr>
+          <a:xfrm>
+            <a:off x="4571223" y="6147717"/>
+            <a:ext cx="7620777" cy="398388"/>
+          </a:xfrm>
+          <a:prstGeom prst="rect">
+            <a:avLst/>
+          </a:prstGeom>
+        </p:spPr>
+      </p:pic>
     </p:spTree>
     <p:extLst>
       <p:ext uri="{BB962C8B-B14F-4D97-AF65-F5344CB8AC3E}">
@@ -10020,7 +10131,11 @@
           <a:p>
             <a:r>
               <a:rPr lang="en-US" dirty="0" smtClean="0"/>
-              <a:t>Getting the class notes</a:t>
+              <a:t>Getting the </a:t>
+            </a:r>
+            <a:r>
+              <a:rPr lang="en-US" dirty="0" smtClean="0"/>
+              <a:t>Tutorial notes</a:t>
             </a:r>
             <a:endParaRPr lang="en-US" dirty="0"/>
           </a:p>
@@ -10360,32 +10475,129 @@
             <p:ph idx="1"/>
           </p:nvPr>
         </p:nvSpPr>
-        <p:spPr/>
+        <p:spPr>
+          <a:xfrm>
+            <a:off x="838200" y="1839913"/>
+            <a:ext cx="10515600" cy="4351338"/>
+          </a:xfrm>
+        </p:spPr>
         <p:txBody>
           <a:bodyPr/>
           <a:lstStyle/>
           <a:p>
             <a:r>
+              <a:rPr lang="en-CA" b="1" dirty="0" smtClean="0">
+                <a:solidFill>
+                  <a:srgbClr val="00B050"/>
+                </a:solidFill>
+              </a:rPr>
+              <a:t>Git</a:t>
+            </a:r>
+            <a:r>
+              <a:rPr lang="en-CA" dirty="0" smtClean="0">
+                <a:solidFill>
+                  <a:srgbClr val="00B050"/>
+                </a:solidFill>
+              </a:rPr>
+              <a:t> </a:t>
+            </a:r>
+            <a:r>
               <a:rPr lang="en-CA" dirty="0" smtClean="0"/>
-              <a:t>Git is your version control software</a:t>
-            </a:r>
-          </a:p>
-          <a:p>
+              <a:t>is your </a:t>
+            </a:r>
+            <a:r>
+              <a:rPr lang="en-CA" b="1" dirty="0" smtClean="0">
+                <a:solidFill>
+                  <a:srgbClr val="00B050"/>
+                </a:solidFill>
+              </a:rPr>
+              <a:t>version control software</a:t>
+            </a:r>
+          </a:p>
+          <a:p>
+            <a:r>
+              <a:rPr lang="en-CA" b="1" dirty="0" smtClean="0">
+                <a:solidFill>
+                  <a:srgbClr val="0070C0"/>
+                </a:solidFill>
+              </a:rPr>
+              <a:t>Git Hub </a:t>
+            </a:r>
             <a:r>
               <a:rPr lang="en-CA" dirty="0" smtClean="0"/>
-              <a:t>Git Hub is a website that hosts your repositories</a:t>
-            </a:r>
-          </a:p>
-          <a:p>
+              <a:t>is a </a:t>
+            </a:r>
+            <a:r>
+              <a:rPr lang="en-CA" b="1" dirty="0" smtClean="0">
+                <a:solidFill>
+                  <a:srgbClr val="0070C0"/>
+                </a:solidFill>
+              </a:rPr>
+              <a:t>website</a:t>
+            </a:r>
             <a:r>
               <a:rPr lang="en-CA" dirty="0" smtClean="0"/>
-              <a:t>Repositories are a collection of files and file histories</a:t>
-            </a:r>
-          </a:p>
-          <a:p>
+              <a:t> that hosts your repositories</a:t>
+            </a:r>
+          </a:p>
+          <a:p>
+            <a:r>
+              <a:rPr lang="en-CA" b="1" dirty="0" smtClean="0">
+                <a:solidFill>
+                  <a:srgbClr val="FFC000"/>
+                </a:solidFill>
+              </a:rPr>
+              <a:t>Repositories</a:t>
+            </a:r>
             <a:r>
               <a:rPr lang="en-CA" dirty="0" smtClean="0"/>
-              <a:t>Commits are like save states</a:t>
+              <a:t> are a collection of </a:t>
+            </a:r>
+            <a:r>
+              <a:rPr lang="en-CA" b="1" dirty="0" smtClean="0">
+                <a:solidFill>
+                  <a:srgbClr val="FFC000"/>
+                </a:solidFill>
+              </a:rPr>
+              <a:t>files</a:t>
+            </a:r>
+            <a:r>
+              <a:rPr lang="en-CA" dirty="0" smtClean="0"/>
+              <a:t> and file </a:t>
+            </a:r>
+            <a:r>
+              <a:rPr lang="en-CA" b="1" dirty="0" smtClean="0">
+                <a:solidFill>
+                  <a:srgbClr val="FFC000"/>
+                </a:solidFill>
+              </a:rPr>
+              <a:t>histories</a:t>
+            </a:r>
+          </a:p>
+          <a:p>
+            <a:r>
+              <a:rPr lang="en-CA" b="1" dirty="0" smtClean="0">
+                <a:solidFill>
+                  <a:schemeClr val="accent3">
+                    <a:lumMod val="50000"/>
+                  </a:schemeClr>
+                </a:solidFill>
+              </a:rPr>
+              <a:t>Commits</a:t>
+            </a:r>
+            <a:r>
+              <a:rPr lang="en-CA" dirty="0" smtClean="0"/>
+              <a:t> are like </a:t>
+            </a:r>
+            <a:r>
+              <a:rPr lang="en-CA" b="1" dirty="0" smtClean="0">
+                <a:solidFill>
+                  <a:schemeClr val="accent3">
+                    <a:lumMod val="50000"/>
+                  </a:schemeClr>
+                </a:solidFill>
+              </a:rPr>
+              <a:t>save states</a:t>
             </a:r>
           </a:p>
         </p:txBody>
@@ -11936,13 +12148,7 @@
               <a:rPr lang="en-CA" sz="2600" dirty="0" smtClean="0">
                 <a:hlinkClick r:id="rId3"/>
               </a:rPr>
-              <a:t>Shabbir</a:t>
-            </a:r>
-            <a:r>
-              <a:rPr lang="en-CA" sz="2600" dirty="0" smtClean="0">
-                <a:hlinkClick r:id="rId3"/>
-              </a:rPr>
-              <a:t>.Hussain@mail.mcgill.ca</a:t>
+              <a:t>Shabbir.Hussain@mail.mcgill.ca</a:t>
             </a:r>
             <a:endParaRPr lang="en-CA" sz="2600" dirty="0" smtClean="0"/>
           </a:p>
@@ -14187,6 +14393,13 @@
   <p:clrMapOvr>
     <a:masterClrMapping/>
   </p:clrMapOvr>
+  <p:timing>
+    <p:tnLst>
+      <p:par>
+        <p:cTn id="1" dur="indefinite" restart="never" nodeType="tmRoot"/>
+      </p:par>
+    </p:tnLst>
+  </p:timing>
 </p:sld>
 </file>
 
@@ -15105,6 +15318,13 @@
   <p:clrMapOvr>
     <a:masterClrMapping/>
   </p:clrMapOvr>
+  <p:timing>
+    <p:tnLst>
+      <p:par>
+        <p:cTn id="1" dur="indefinite" restart="never" nodeType="tmRoot"/>
+      </p:par>
+    </p:tnLst>
+  </p:timing>
 </p:sld>
 </file>
 
@@ -15243,6 +15463,13 @@
   <p:clrMapOvr>
     <a:masterClrMapping/>
   </p:clrMapOvr>
+  <p:timing>
+    <p:tnLst>
+      <p:par>
+        <p:cTn id="1" dur="indefinite" restart="never" nodeType="tmRoot"/>
+      </p:par>
+    </p:tnLst>
+  </p:timing>
 </p:sld>
 </file>
 

--- a/01-EclipseAndGithub.pptx
+++ b/01-EclipseAndGithub.pptx
@@ -5,42 +5,44 @@
     <p:sldMasterId id="2147483994" r:id="rId1"/>
   </p:sldMasterIdLst>
   <p:notesMasterIdLst>
-    <p:notesMasterId r:id="rId35"/>
+    <p:notesMasterId r:id="rId37"/>
   </p:notesMasterIdLst>
   <p:sldIdLst>
     <p:sldId id="256" r:id="rId2"/>
     <p:sldId id="288" r:id="rId3"/>
-    <p:sldId id="292" r:id="rId4"/>
+    <p:sldId id="296" r:id="rId4"/>
     <p:sldId id="293" r:id="rId5"/>
     <p:sldId id="294" r:id="rId6"/>
-    <p:sldId id="259" r:id="rId7"/>
-    <p:sldId id="260" r:id="rId8"/>
-    <p:sldId id="257" r:id="rId9"/>
-    <p:sldId id="264" r:id="rId10"/>
-    <p:sldId id="258" r:id="rId11"/>
-    <p:sldId id="289" r:id="rId12"/>
-    <p:sldId id="273" r:id="rId13"/>
-    <p:sldId id="274" r:id="rId14"/>
-    <p:sldId id="270" r:id="rId15"/>
-    <p:sldId id="265" r:id="rId16"/>
-    <p:sldId id="266" r:id="rId17"/>
-    <p:sldId id="263" r:id="rId18"/>
-    <p:sldId id="271" r:id="rId19"/>
-    <p:sldId id="275" r:id="rId20"/>
-    <p:sldId id="277" r:id="rId21"/>
-    <p:sldId id="281" r:id="rId22"/>
-    <p:sldId id="282" r:id="rId23"/>
-    <p:sldId id="283" r:id="rId24"/>
-    <p:sldId id="284" r:id="rId25"/>
-    <p:sldId id="276" r:id="rId26"/>
-    <p:sldId id="285" r:id="rId27"/>
-    <p:sldId id="286" r:id="rId28"/>
-    <p:sldId id="290" r:id="rId29"/>
-    <p:sldId id="278" r:id="rId30"/>
-    <p:sldId id="279" r:id="rId31"/>
-    <p:sldId id="280" r:id="rId32"/>
-    <p:sldId id="291" r:id="rId33"/>
-    <p:sldId id="261" r:id="rId34"/>
+    <p:sldId id="292" r:id="rId7"/>
+    <p:sldId id="259" r:id="rId8"/>
+    <p:sldId id="260" r:id="rId9"/>
+    <p:sldId id="257" r:id="rId10"/>
+    <p:sldId id="264" r:id="rId11"/>
+    <p:sldId id="258" r:id="rId12"/>
+    <p:sldId id="297" r:id="rId13"/>
+    <p:sldId id="289" r:id="rId14"/>
+    <p:sldId id="273" r:id="rId15"/>
+    <p:sldId id="274" r:id="rId16"/>
+    <p:sldId id="270" r:id="rId17"/>
+    <p:sldId id="265" r:id="rId18"/>
+    <p:sldId id="266" r:id="rId19"/>
+    <p:sldId id="263" r:id="rId20"/>
+    <p:sldId id="271" r:id="rId21"/>
+    <p:sldId id="275" r:id="rId22"/>
+    <p:sldId id="277" r:id="rId23"/>
+    <p:sldId id="281" r:id="rId24"/>
+    <p:sldId id="282" r:id="rId25"/>
+    <p:sldId id="283" r:id="rId26"/>
+    <p:sldId id="284" r:id="rId27"/>
+    <p:sldId id="276" r:id="rId28"/>
+    <p:sldId id="285" r:id="rId29"/>
+    <p:sldId id="286" r:id="rId30"/>
+    <p:sldId id="290" r:id="rId31"/>
+    <p:sldId id="278" r:id="rId32"/>
+    <p:sldId id="279" r:id="rId33"/>
+    <p:sldId id="280" r:id="rId34"/>
+    <p:sldId id="291" r:id="rId35"/>
+    <p:sldId id="261" r:id="rId36"/>
   </p:sldIdLst>
   <p:sldSz cx="12192000" cy="6858000"/>
   <p:notesSz cx="6858000" cy="9144000"/>
@@ -1073,6 +1075,13 @@
           </a:stretch>
         </a:blipFill>
       </dgm:spPr>
+      <dgm:t>
+        <a:bodyPr/>
+        <a:lstStyle/>
+        <a:p>
+          <a:endParaRPr lang="en-CA"/>
+        </a:p>
+      </dgm:t>
     </dgm:pt>
     <dgm:pt modelId="{3793290E-F80A-422E-8F36-E36290553A4A}" type="pres">
       <dgm:prSet presAssocID="{EC453F4C-4CD1-48A7-A3D0-44B6729E1D01}" presName="sibTrans" presStyleLbl="sibTrans2D1" presStyleIdx="0" presStyleCnt="0"/>
@@ -1128,6 +1137,13 @@
           <a:noFill/>
         </a:ln>
       </dgm:spPr>
+      <dgm:t>
+        <a:bodyPr/>
+        <a:lstStyle/>
+        <a:p>
+          <a:endParaRPr lang="en-CA"/>
+        </a:p>
+      </dgm:t>
     </dgm:pt>
     <dgm:pt modelId="{0800F657-3499-4E25-967D-799EF5AE8C74}" type="pres">
       <dgm:prSet presAssocID="{3EF19323-A4F6-47B7-8208-26FA1C6CAF7D}" presName="sibTrans" presStyleLbl="sibTrans2D1" presStyleIdx="0" presStyleCnt="0"/>
@@ -1180,6 +1196,13 @@
           </a:stretch>
         </a:blipFill>
       </dgm:spPr>
+      <dgm:t>
+        <a:bodyPr/>
+        <a:lstStyle/>
+        <a:p>
+          <a:endParaRPr lang="en-CA"/>
+        </a:p>
+      </dgm:t>
     </dgm:pt>
   </dgm:ptLst>
   <dgm:cxnLst>
@@ -2995,7 +3018,7 @@
           <a:p>
             <a:fld id="{EB03AF97-B4FF-4008-BA61-32AC40787ADA}" type="datetimeFigureOut">
               <a:rPr lang="en-US"/>
-              <a:t>1/12/2015</a:t>
+              <a:t>1/14/2015</a:t>
             </a:fld>
             <a:endParaRPr lang="en-US"/>
           </a:p>
@@ -3398,21 +3421,7 @@
           <a:bodyPr/>
           <a:lstStyle/>
           <a:p>
-            <a:r>
-              <a:rPr lang="en-CA" dirty="0" smtClean="0"/>
-              <a:t>A repository</a:t>
-            </a:r>
-            <a:r>
-              <a:rPr lang="en-CA" baseline="0" dirty="0" smtClean="0"/>
-              <a:t>  is essentially a folder</a:t>
-            </a:r>
-          </a:p>
-          <a:p>
-            <a:r>
-              <a:rPr lang="en-CA" baseline="0" dirty="0" smtClean="0"/>
-              <a:t>But this folder also contains extra information about your previous versions known as commits</a:t>
-            </a:r>
-            <a:endParaRPr lang="en-CA" dirty="0"/>
+            <a:endParaRPr lang="en-CA"/>
           </a:p>
         </p:txBody>
       </p:sp>
@@ -3442,7 +3451,7 @@
     </p:spTree>
     <p:extLst>
       <p:ext uri="{BB962C8B-B14F-4D97-AF65-F5344CB8AC3E}">
-        <p14:creationId xmlns:p14="http://schemas.microsoft.com/office/powerpoint/2010/main" val="2212364047"/>
+        <p14:creationId xmlns:p14="http://schemas.microsoft.com/office/powerpoint/2010/main" val="2223760952"/>
       </p:ext>
     </p:extLst>
   </p:cSld>
@@ -3496,51 +3505,19 @@
           <a:bodyPr/>
           <a:lstStyle/>
           <a:p>
-            <a:pPr marL="228600" indent="-228600">
-              <a:buAutoNum type="arabicPeriod"/>
-            </a:pPr>
             <a:r>
               <a:rPr lang="en-CA" dirty="0" smtClean="0"/>
-              <a:t>Create a folder</a:t>
-            </a:r>
-          </a:p>
-          <a:p>
-            <a:pPr marL="228600" indent="-228600">
-              <a:buAutoNum type="arabicPeriod"/>
-            </a:pPr>
-            <a:r>
-              <a:rPr lang="en-CA" dirty="0" smtClean="0"/>
-              <a:t>Go into that</a:t>
+              <a:t>A repository</a:t>
             </a:r>
             <a:r>
               <a:rPr lang="en-CA" baseline="0" dirty="0" smtClean="0"/>
-              <a:t> folder</a:t>
-            </a:r>
-          </a:p>
-          <a:p>
-            <a:pPr marL="228600" indent="-228600">
-              <a:buAutoNum type="arabicPeriod"/>
-            </a:pPr>
+              <a:t>  is essentially a folder</a:t>
+            </a:r>
+          </a:p>
+          <a:p>
             <a:r>
               <a:rPr lang="en-CA" baseline="0" dirty="0" smtClean="0"/>
-              <a:t>Type the command ‘Git </a:t>
-            </a:r>
-            <a:r>
-              <a:rPr lang="en-CA" baseline="0" dirty="0" err="1" smtClean="0"/>
-              <a:t>init</a:t>
-            </a:r>
-            <a:r>
-              <a:rPr lang="en-CA" baseline="0" dirty="0" smtClean="0"/>
-              <a:t>’</a:t>
-            </a:r>
-          </a:p>
-          <a:p>
-            <a:pPr marL="228600" indent="-228600">
-              <a:buAutoNum type="arabicPeriod"/>
-            </a:pPr>
-            <a:r>
-              <a:rPr lang="en-CA" baseline="0" dirty="0" smtClean="0"/>
-              <a:t>Lean back</a:t>
+              <a:t>But this folder also contains extra information about your previous versions known as commits</a:t>
             </a:r>
             <a:endParaRPr lang="en-CA" dirty="0"/>
           </a:p>
@@ -3563,7 +3540,7 @@
           <a:p>
             <a:fld id="{266FFDD2-8F09-4B95-855D-B6E7196B1E6E}" type="slidenum">
               <a:rPr lang="en-US" smtClean="0"/>
-              <a:t>17</a:t>
+              <a:t>18</a:t>
             </a:fld>
             <a:endParaRPr lang="en-US"/>
           </a:p>
@@ -3572,7 +3549,7 @@
     </p:spTree>
     <p:extLst>
       <p:ext uri="{BB962C8B-B14F-4D97-AF65-F5344CB8AC3E}">
-        <p14:creationId xmlns:p14="http://schemas.microsoft.com/office/powerpoint/2010/main" val="1687791850"/>
+        <p14:creationId xmlns:p14="http://schemas.microsoft.com/office/powerpoint/2010/main" val="2212364047"/>
       </p:ext>
     </p:extLst>
   </p:cSld>
@@ -3626,62 +3603,53 @@
           <a:bodyPr/>
           <a:lstStyle/>
           <a:p>
+            <a:pPr marL="228600" indent="-228600">
+              <a:buAutoNum type="arabicPeriod"/>
+            </a:pPr>
             <a:r>
               <a:rPr lang="en-CA" dirty="0" smtClean="0"/>
-              <a:t>A commit is a save state of</a:t>
+              <a:t>Create a folder</a:t>
+            </a:r>
+          </a:p>
+          <a:p>
+            <a:pPr marL="228600" indent="-228600">
+              <a:buAutoNum type="arabicPeriod"/>
+            </a:pPr>
+            <a:r>
+              <a:rPr lang="en-CA" dirty="0" smtClean="0"/>
+              <a:t>Go into that</a:t>
             </a:r>
             <a:r>
               <a:rPr lang="en-CA" baseline="0" dirty="0" smtClean="0"/>
-              <a:t> all your files</a:t>
-            </a:r>
-          </a:p>
-          <a:p>
+              <a:t> folder</a:t>
+            </a:r>
+          </a:p>
+          <a:p>
+            <a:pPr marL="228600" indent="-228600">
+              <a:buAutoNum type="arabicPeriod"/>
+            </a:pPr>
             <a:r>
               <a:rPr lang="en-CA" baseline="0" dirty="0" smtClean="0"/>
-              <a:t>Commits are useful to go back to a an exact point in time</a:t>
-            </a:r>
-          </a:p>
-          <a:p>
+              <a:t>Type the command ‘Git </a:t>
+            </a:r>
+            <a:r>
+              <a:rPr lang="en-CA" baseline="0" dirty="0" err="1" smtClean="0"/>
+              <a:t>init</a:t>
+            </a:r>
             <a:r>
               <a:rPr lang="en-CA" baseline="0" dirty="0" smtClean="0"/>
-              <a:t>Commits are just like save states in video games</a:t>
-            </a:r>
-          </a:p>
-          <a:p>
-            <a:endParaRPr lang="en-CA" baseline="0" dirty="0" smtClean="0"/>
-          </a:p>
-          <a:p>
+              <a:t>’</a:t>
+            </a:r>
+          </a:p>
+          <a:p>
+            <a:pPr marL="228600" indent="-228600">
+              <a:buAutoNum type="arabicPeriod"/>
+            </a:pPr>
             <a:r>
               <a:rPr lang="en-CA" baseline="0" dirty="0" smtClean="0"/>
-              <a:t>A commit object contains:</a:t>
-            </a:r>
-          </a:p>
-          <a:p>
-            <a:r>
-              <a:rPr lang="en-CA" baseline="0" dirty="0" smtClean="0"/>
-              <a:t>Unique Sha1 identifier</a:t>
-            </a:r>
-          </a:p>
-          <a:p>
-            <a:r>
-              <a:rPr lang="en-CA" baseline="0" dirty="0" smtClean="0"/>
-              <a:t>Snapshot of all the files in the working directory</a:t>
-            </a:r>
-          </a:p>
-          <a:p>
-            <a:r>
-              <a:rPr lang="en-CA" baseline="0" dirty="0" smtClean="0"/>
-              <a:t>Creation date</a:t>
-            </a:r>
-          </a:p>
-          <a:p>
-            <a:r>
-              <a:rPr lang="en-CA" baseline="0" dirty="0" smtClean="0"/>
-              <a:t>Author</a:t>
-            </a:r>
-          </a:p>
-          <a:p>
-            <a:endParaRPr lang="en-CA" baseline="0" dirty="0" smtClean="0"/>
+              <a:t>Lean back</a:t>
+            </a:r>
+            <a:endParaRPr lang="en-CA" dirty="0"/>
           </a:p>
         </p:txBody>
       </p:sp>
@@ -3702,7 +3670,7 @@
           <a:p>
             <a:fld id="{266FFDD2-8F09-4B95-855D-B6E7196B1E6E}" type="slidenum">
               <a:rPr lang="en-US" smtClean="0"/>
-              <a:t>18</a:t>
+              <a:t>19</a:t>
             </a:fld>
             <a:endParaRPr lang="en-US"/>
           </a:p>
@@ -3711,7 +3679,7 @@
     </p:spTree>
     <p:extLst>
       <p:ext uri="{BB962C8B-B14F-4D97-AF65-F5344CB8AC3E}">
-        <p14:creationId xmlns:p14="http://schemas.microsoft.com/office/powerpoint/2010/main" val="2696999346"/>
+        <p14:creationId xmlns:p14="http://schemas.microsoft.com/office/powerpoint/2010/main" val="1687791850"/>
       </p:ext>
     </p:extLst>
   </p:cSld>
@@ -3765,36 +3733,62 @@
           <a:bodyPr/>
           <a:lstStyle/>
           <a:p>
-            <a:pPr marL="228600" indent="-228600">
-              <a:buAutoNum type="arabicPeriod"/>
-            </a:pPr>
             <a:r>
               <a:rPr lang="en-CA" dirty="0" smtClean="0"/>
-              <a:t>Create a file called helloworld.java</a:t>
-            </a:r>
-          </a:p>
-          <a:p>
-            <a:pPr marL="228600" indent="-228600">
-              <a:buAutoNum type="arabicPeriod"/>
-            </a:pPr>
-            <a:r>
-              <a:rPr lang="en-CA" dirty="0" smtClean="0"/>
-              <a:t>Add it to</a:t>
+              <a:t>A commit is a save state of</a:t>
             </a:r>
             <a:r>
               <a:rPr lang="en-CA" baseline="0" dirty="0" smtClean="0"/>
-              <a:t> the repository</a:t>
-            </a:r>
-          </a:p>
-          <a:p>
-            <a:pPr marL="228600" indent="-228600">
-              <a:buAutoNum type="arabicPeriod"/>
-            </a:pPr>
+              <a:t> all your files</a:t>
+            </a:r>
+          </a:p>
+          <a:p>
             <a:r>
               <a:rPr lang="en-CA" baseline="0" dirty="0" smtClean="0"/>
-              <a:t>Commit your new file to the repository</a:t>
-            </a:r>
-            <a:endParaRPr lang="en-CA" dirty="0"/>
+              <a:t>Commits are useful to go back to a an exact point in time</a:t>
+            </a:r>
+          </a:p>
+          <a:p>
+            <a:r>
+              <a:rPr lang="en-CA" baseline="0" dirty="0" smtClean="0"/>
+              <a:t>Commits are just like save states in video games</a:t>
+            </a:r>
+          </a:p>
+          <a:p>
+            <a:endParaRPr lang="en-CA" baseline="0" dirty="0" smtClean="0"/>
+          </a:p>
+          <a:p>
+            <a:r>
+              <a:rPr lang="en-CA" baseline="0" dirty="0" smtClean="0"/>
+              <a:t>A commit object contains:</a:t>
+            </a:r>
+          </a:p>
+          <a:p>
+            <a:r>
+              <a:rPr lang="en-CA" baseline="0" dirty="0" smtClean="0"/>
+              <a:t>Unique Sha1 identifier</a:t>
+            </a:r>
+          </a:p>
+          <a:p>
+            <a:r>
+              <a:rPr lang="en-CA" baseline="0" dirty="0" smtClean="0"/>
+              <a:t>Snapshot of all the files in the working directory</a:t>
+            </a:r>
+          </a:p>
+          <a:p>
+            <a:r>
+              <a:rPr lang="en-CA" baseline="0" dirty="0" smtClean="0"/>
+              <a:t>Creation date</a:t>
+            </a:r>
+          </a:p>
+          <a:p>
+            <a:r>
+              <a:rPr lang="en-CA" baseline="0" dirty="0" smtClean="0"/>
+              <a:t>Author</a:t>
+            </a:r>
+          </a:p>
+          <a:p>
+            <a:endParaRPr lang="en-CA" baseline="0" dirty="0" smtClean="0"/>
           </a:p>
         </p:txBody>
       </p:sp>
@@ -3815,7 +3809,7 @@
           <a:p>
             <a:fld id="{266FFDD2-8F09-4B95-855D-B6E7196B1E6E}" type="slidenum">
               <a:rPr lang="en-US" smtClean="0"/>
-              <a:t>19</a:t>
+              <a:t>20</a:t>
             </a:fld>
             <a:endParaRPr lang="en-US"/>
           </a:p>
@@ -3824,7 +3818,7 @@
     </p:spTree>
     <p:extLst>
       <p:ext uri="{BB962C8B-B14F-4D97-AF65-F5344CB8AC3E}">
-        <p14:creationId xmlns:p14="http://schemas.microsoft.com/office/powerpoint/2010/main" val="261044642"/>
+        <p14:creationId xmlns:p14="http://schemas.microsoft.com/office/powerpoint/2010/main" val="2696999346"/>
       </p:ext>
     </p:extLst>
   </p:cSld>
@@ -3878,41 +3872,36 @@
           <a:bodyPr/>
           <a:lstStyle/>
           <a:p>
+            <a:pPr marL="228600" indent="-228600">
+              <a:buAutoNum type="arabicPeriod"/>
+            </a:pPr>
             <a:r>
               <a:rPr lang="en-CA" dirty="0" smtClean="0"/>
-              <a:t>The</a:t>
+              <a:t>Create a file called helloworld.java</a:t>
+            </a:r>
+          </a:p>
+          <a:p>
+            <a:pPr marL="228600" indent="-228600">
+              <a:buAutoNum type="arabicPeriod"/>
+            </a:pPr>
+            <a:r>
+              <a:rPr lang="en-CA" dirty="0" smtClean="0"/>
+              <a:t>Add it to</a:t>
             </a:r>
             <a:r>
               <a:rPr lang="en-CA" baseline="0" dirty="0" smtClean="0"/>
-              <a:t> above diagram represents 3 states a file can be in.</a:t>
-            </a:r>
-          </a:p>
-          <a:p>
-            <a:endParaRPr lang="en-CA" baseline="0" dirty="0" smtClean="0"/>
-          </a:p>
-          <a:p>
+              <a:t> the repository</a:t>
+            </a:r>
+          </a:p>
+          <a:p>
+            <a:pPr marL="228600" indent="-228600">
+              <a:buAutoNum type="arabicPeriod"/>
+            </a:pPr>
             <a:r>
               <a:rPr lang="en-CA" baseline="0" dirty="0" smtClean="0"/>
-              <a:t>The working directory is the current state of all files.</a:t>
-            </a:r>
-          </a:p>
-          <a:p>
-            <a:endParaRPr lang="en-CA" baseline="0" dirty="0" smtClean="0"/>
-          </a:p>
-          <a:p>
-            <a:r>
-              <a:rPr lang="en-CA" baseline="0" dirty="0" smtClean="0"/>
-              <a:t>The staging area is an abstract concept. It is the state files are put into right before being committed. We stage a file with the command “git add &lt;filename&gt;”. This is useful for situations when you want a commit to represent several files. Why else would you stage a file?</a:t>
-            </a:r>
-          </a:p>
-          <a:p>
-            <a:endParaRPr lang="en-CA" baseline="0" dirty="0" smtClean="0"/>
-          </a:p>
-          <a:p>
-            <a:r>
-              <a:rPr lang="en-CA" baseline="0" dirty="0" smtClean="0"/>
-              <a:t>Once files are staged. We can commit staged files to the repository.</a:t>
-            </a:r>
+              <a:t>Commit your new file to the repository</a:t>
+            </a:r>
+            <a:endParaRPr lang="en-CA" dirty="0"/>
           </a:p>
         </p:txBody>
       </p:sp>
@@ -3933,7 +3922,7 @@
           <a:p>
             <a:fld id="{266FFDD2-8F09-4B95-855D-B6E7196B1E6E}" type="slidenum">
               <a:rPr lang="en-US" smtClean="0"/>
-              <a:t>20</a:t>
+              <a:t>21</a:t>
             </a:fld>
             <a:endParaRPr lang="en-US"/>
           </a:p>
@@ -3942,7 +3931,7 @@
     </p:spTree>
     <p:extLst>
       <p:ext uri="{BB962C8B-B14F-4D97-AF65-F5344CB8AC3E}">
-        <p14:creationId xmlns:p14="http://schemas.microsoft.com/office/powerpoint/2010/main" val="2507254591"/>
+        <p14:creationId xmlns:p14="http://schemas.microsoft.com/office/powerpoint/2010/main" val="261044642"/>
       </p:ext>
     </p:extLst>
   </p:cSld>
@@ -3996,49 +3985,40 @@
           <a:bodyPr/>
           <a:lstStyle/>
           <a:p>
-            <a:pPr marL="228600" indent="-228600">
-              <a:buAutoNum type="arabicPeriod"/>
-            </a:pPr>
             <a:r>
               <a:rPr lang="en-CA" dirty="0" smtClean="0"/>
-              <a:t>Open the file in</a:t>
+              <a:t>The</a:t>
             </a:r>
             <a:r>
               <a:rPr lang="en-CA" baseline="0" dirty="0" smtClean="0"/>
-              <a:t> an editor (you can use your  favorite editor like note pad)</a:t>
-            </a:r>
-          </a:p>
-          <a:p>
-            <a:pPr marL="228600" indent="-228600">
-              <a:buAutoNum type="arabicPeriod"/>
-            </a:pPr>
+              <a:t> above diagram represents 3 states a file can be in.</a:t>
+            </a:r>
+          </a:p>
+          <a:p>
+            <a:endParaRPr lang="en-CA" baseline="0" dirty="0" smtClean="0"/>
+          </a:p>
+          <a:p>
             <a:r>
               <a:rPr lang="en-CA" baseline="0" dirty="0" smtClean="0"/>
-              <a:t>Modify the file to print hello world and save</a:t>
-            </a:r>
-          </a:p>
-          <a:p>
-            <a:pPr marL="228600" indent="-228600">
-              <a:buAutoNum type="arabicPeriod"/>
-            </a:pPr>
+              <a:t>The working directory is the current state of all files.</a:t>
+            </a:r>
+          </a:p>
+          <a:p>
+            <a:endParaRPr lang="en-CA" baseline="0" dirty="0" smtClean="0"/>
+          </a:p>
+          <a:p>
             <a:r>
               <a:rPr lang="en-CA" baseline="0" dirty="0" smtClean="0"/>
-              <a:t>Check the status of the repository</a:t>
-            </a:r>
-          </a:p>
-          <a:p>
-            <a:pPr marL="228600" indent="-228600">
-              <a:buAutoNum type="arabicPeriod"/>
-            </a:pPr>
+              <a:t>The staging area is an abstract concept. It is the state files are put into right before being committed. We stage a file with the command “git add &lt;filename&gt;”. This is useful for situations when you want a commit to represent several files. Why else would you stage a file?</a:t>
+            </a:r>
+          </a:p>
+          <a:p>
             <a:endParaRPr lang="en-CA" baseline="0" dirty="0" smtClean="0"/>
           </a:p>
           <a:p>
-            <a:pPr marL="0" indent="0">
-              <a:buNone/>
-            </a:pPr>
             <a:r>
               <a:rPr lang="en-CA" baseline="0" dirty="0" smtClean="0"/>
-              <a:t>Checking the status tells us the state our repository is in. In this case it says that we made changes to a file but did not add it to the staging area</a:t>
+              <a:t>Once files are staged. We can commit staged files to the repository.</a:t>
             </a:r>
           </a:p>
         </p:txBody>
@@ -4060,7 +4040,7 @@
           <a:p>
             <a:fld id="{266FFDD2-8F09-4B95-855D-B6E7196B1E6E}" type="slidenum">
               <a:rPr lang="en-US" smtClean="0"/>
-              <a:t>21</a:t>
+              <a:t>22</a:t>
             </a:fld>
             <a:endParaRPr lang="en-US"/>
           </a:p>
@@ -4069,7 +4049,7 @@
     </p:spTree>
     <p:extLst>
       <p:ext uri="{BB962C8B-B14F-4D97-AF65-F5344CB8AC3E}">
-        <p14:creationId xmlns:p14="http://schemas.microsoft.com/office/powerpoint/2010/main" val="3790580864"/>
+        <p14:creationId xmlns:p14="http://schemas.microsoft.com/office/powerpoint/2010/main" val="2507254591"/>
       </p:ext>
     </p:extLst>
   </p:cSld>
@@ -4128,25 +4108,20 @@
             </a:pPr>
             <a:r>
               <a:rPr lang="en-CA" dirty="0" smtClean="0"/>
-              <a:t>Compile the</a:t>
+              <a:t>Open the file in</a:t>
             </a:r>
             <a:r>
               <a:rPr lang="en-CA" baseline="0" dirty="0" smtClean="0"/>
-              <a:t> file</a:t>
-            </a:r>
-            <a:endParaRPr lang="en-CA" dirty="0" smtClean="0"/>
+              <a:t> an editor (you can use your  favorite editor like note pad)</a:t>
+            </a:r>
           </a:p>
           <a:p>
             <a:pPr marL="228600" indent="-228600">
               <a:buAutoNum type="arabicPeriod"/>
             </a:pPr>
             <a:r>
-              <a:rPr lang="en-CA" dirty="0" smtClean="0"/>
-              <a:t>Then</a:t>
-            </a:r>
-            <a:r>
               <a:rPr lang="en-CA" baseline="0" dirty="0" smtClean="0"/>
-              <a:t> add all the files to the staging area (“git add .” is a shorthand for adding all files to the staging area)</a:t>
+              <a:t>Modify the file to print hello world and save</a:t>
             </a:r>
           </a:p>
           <a:p>
@@ -4155,7 +4130,7 @@
             </a:pPr>
             <a:r>
               <a:rPr lang="en-CA" baseline="0" dirty="0" smtClean="0"/>
-              <a:t>Check the status of the repo</a:t>
+              <a:t>Check the status of the repository</a:t>
             </a:r>
           </a:p>
           <a:p>
@@ -4170,9 +4145,8 @@
             </a:pPr>
             <a:r>
               <a:rPr lang="en-CA" baseline="0" dirty="0" smtClean="0"/>
-              <a:t>Here in the Status We can see that there are two files in the staging area. This is because we created a class file when we compiled our program. </a:t>
-            </a:r>
-            <a:endParaRPr lang="en-CA" dirty="0"/>
+              <a:t>Checking the status tells us the state our repository is in. In this case it says that we made changes to a file but did not add it to the staging area</a:t>
+            </a:r>
           </a:p>
         </p:txBody>
       </p:sp>
@@ -4193,7 +4167,7 @@
           <a:p>
             <a:fld id="{266FFDD2-8F09-4B95-855D-B6E7196B1E6E}" type="slidenum">
               <a:rPr lang="en-US" smtClean="0"/>
-              <a:t>22</a:t>
+              <a:t>23</a:t>
             </a:fld>
             <a:endParaRPr lang="en-US"/>
           </a:p>
@@ -4202,7 +4176,7 @@
     </p:spTree>
     <p:extLst>
       <p:ext uri="{BB962C8B-B14F-4D97-AF65-F5344CB8AC3E}">
-        <p14:creationId xmlns:p14="http://schemas.microsoft.com/office/powerpoint/2010/main" val="4004396576"/>
+        <p14:creationId xmlns:p14="http://schemas.microsoft.com/office/powerpoint/2010/main" val="3790580864"/>
       </p:ext>
     </p:extLst>
   </p:cSld>
@@ -4256,33 +4230,55 @@
           <a:bodyPr/>
           <a:lstStyle/>
           <a:p>
-            <a:pPr marL="0" marR="0" indent="0" algn="l" defTabSz="914400" rtl="0" eaLnBrk="1" fontAlgn="auto" latinLnBrk="0" hangingPunct="1">
-              <a:lnSpc>
-                <a:spcPct val="100000"/>
-              </a:lnSpc>
-              <a:spcBef>
-                <a:spcPts val="0"/>
-              </a:spcBef>
-              <a:spcAft>
-                <a:spcPts val="0"/>
-              </a:spcAft>
-              <a:buClrTx/>
-              <a:buSzTx/>
-              <a:buFontTx/>
-              <a:buNone/>
-              <a:tabLst/>
-              <a:defRPr/>
-            </a:pPr>
-            <a:r>
-              <a:rPr lang="en-CA" baseline="0" dirty="0" smtClean="0"/>
-              <a:t>Let’s pretend we don’t want the class file to be in our next commit. We can remove a file from the staging area with “git reset &lt;filename&gt;”</a:t>
-            </a:r>
-            <a:endParaRPr lang="en-CA" dirty="0" smtClean="0"/>
-          </a:p>
-          <a:p>
             <a:pPr marL="228600" indent="-228600">
               <a:buAutoNum type="arabicPeriod"/>
             </a:pPr>
+            <a:r>
+              <a:rPr lang="en-CA" dirty="0" smtClean="0"/>
+              <a:t>Compile the</a:t>
+            </a:r>
+            <a:r>
+              <a:rPr lang="en-CA" baseline="0" dirty="0" smtClean="0"/>
+              <a:t> file</a:t>
+            </a:r>
+            <a:endParaRPr lang="en-CA" dirty="0" smtClean="0"/>
+          </a:p>
+          <a:p>
+            <a:pPr marL="228600" indent="-228600">
+              <a:buAutoNum type="arabicPeriod"/>
+            </a:pPr>
+            <a:r>
+              <a:rPr lang="en-CA" dirty="0" smtClean="0"/>
+              <a:t>Then</a:t>
+            </a:r>
+            <a:r>
+              <a:rPr lang="en-CA" baseline="0" dirty="0" smtClean="0"/>
+              <a:t> add all the files to the staging area (“git add .” is a shorthand for adding all files to the staging area)</a:t>
+            </a:r>
+          </a:p>
+          <a:p>
+            <a:pPr marL="228600" indent="-228600">
+              <a:buAutoNum type="arabicPeriod"/>
+            </a:pPr>
+            <a:r>
+              <a:rPr lang="en-CA" baseline="0" dirty="0" smtClean="0"/>
+              <a:t>Check the status of the repo</a:t>
+            </a:r>
+          </a:p>
+          <a:p>
+            <a:pPr marL="228600" indent="-228600">
+              <a:buAutoNum type="arabicPeriod"/>
+            </a:pPr>
+            <a:endParaRPr lang="en-CA" baseline="0" dirty="0" smtClean="0"/>
+          </a:p>
+          <a:p>
+            <a:pPr marL="0" indent="0">
+              <a:buNone/>
+            </a:pPr>
+            <a:r>
+              <a:rPr lang="en-CA" baseline="0" dirty="0" smtClean="0"/>
+              <a:t>Here in the Status We can see that there are two files in the staging area. This is because we created a class file when we compiled our program. </a:t>
+            </a:r>
             <a:endParaRPr lang="en-CA" dirty="0"/>
           </a:p>
         </p:txBody>
@@ -4304,7 +4300,7 @@
           <a:p>
             <a:fld id="{266FFDD2-8F09-4B95-855D-B6E7196B1E6E}" type="slidenum">
               <a:rPr lang="en-US" smtClean="0"/>
-              <a:t>23</a:t>
+              <a:t>24</a:t>
             </a:fld>
             <a:endParaRPr lang="en-US"/>
           </a:p>
@@ -4313,7 +4309,7 @@
     </p:spTree>
     <p:extLst>
       <p:ext uri="{BB962C8B-B14F-4D97-AF65-F5344CB8AC3E}">
-        <p14:creationId xmlns:p14="http://schemas.microsoft.com/office/powerpoint/2010/main" val="2476800040"/>
+        <p14:creationId xmlns:p14="http://schemas.microsoft.com/office/powerpoint/2010/main" val="4004396576"/>
       </p:ext>
     </p:extLst>
   </p:cSld>
@@ -4367,14 +4363,33 @@
           <a:bodyPr/>
           <a:lstStyle/>
           <a:p>
-            <a:r>
-              <a:rPr lang="en-CA" dirty="0" smtClean="0"/>
-              <a:t>In this</a:t>
-            </a:r>
+            <a:pPr marL="0" marR="0" indent="0" algn="l" defTabSz="914400" rtl="0" eaLnBrk="1" fontAlgn="auto" latinLnBrk="0" hangingPunct="1">
+              <a:lnSpc>
+                <a:spcPct val="100000"/>
+              </a:lnSpc>
+              <a:spcBef>
+                <a:spcPts val="0"/>
+              </a:spcBef>
+              <a:spcAft>
+                <a:spcPts val="0"/>
+              </a:spcAft>
+              <a:buClrTx/>
+              <a:buSzTx/>
+              <a:buFontTx/>
+              <a:buNone/>
+              <a:tabLst/>
+              <a:defRPr/>
+            </a:pPr>
             <a:r>
               <a:rPr lang="en-CA" baseline="0" dirty="0" smtClean="0"/>
-              <a:t> case, only  our helloworld.java will be in our most recent commit.</a:t>
-            </a:r>
+              <a:t>Let’s pretend we don’t want the class file to be in our next commit. We can remove a file from the staging area with “git reset &lt;filename&gt;”</a:t>
+            </a:r>
+            <a:endParaRPr lang="en-CA" dirty="0" smtClean="0"/>
+          </a:p>
+          <a:p>
+            <a:pPr marL="228600" indent="-228600">
+              <a:buAutoNum type="arabicPeriod"/>
+            </a:pPr>
             <a:endParaRPr lang="en-CA" dirty="0"/>
           </a:p>
         </p:txBody>
@@ -4396,7 +4411,7 @@
           <a:p>
             <a:fld id="{266FFDD2-8F09-4B95-855D-B6E7196B1E6E}" type="slidenum">
               <a:rPr lang="en-US" smtClean="0"/>
-              <a:t>24</a:t>
+              <a:t>25</a:t>
             </a:fld>
             <a:endParaRPr lang="en-US"/>
           </a:p>
@@ -4405,7 +4420,7 @@
     </p:spTree>
     <p:extLst>
       <p:ext uri="{BB962C8B-B14F-4D97-AF65-F5344CB8AC3E}">
-        <p14:creationId xmlns:p14="http://schemas.microsoft.com/office/powerpoint/2010/main" val="2538855724"/>
+        <p14:creationId xmlns:p14="http://schemas.microsoft.com/office/powerpoint/2010/main" val="2476800040"/>
       </p:ext>
     </p:extLst>
   </p:cSld>
@@ -4461,7 +4476,11 @@
           <a:p>
             <a:r>
               <a:rPr lang="en-CA" dirty="0" smtClean="0"/>
-              <a:t>Check the logs to see who committed, what they committed, and when with “git log”</a:t>
+              <a:t>In this</a:t>
+            </a:r>
+            <a:r>
+              <a:rPr lang="en-CA" baseline="0" dirty="0" smtClean="0"/>
+              <a:t> case, only  our helloworld.java will be in our most recent commit.</a:t>
             </a:r>
             <a:endParaRPr lang="en-CA" dirty="0"/>
           </a:p>
@@ -4484,7 +4503,7 @@
           <a:p>
             <a:fld id="{266FFDD2-8F09-4B95-855D-B6E7196B1E6E}" type="slidenum">
               <a:rPr lang="en-US" smtClean="0"/>
-              <a:t>25</a:t>
+              <a:t>26</a:t>
             </a:fld>
             <a:endParaRPr lang="en-US"/>
           </a:p>
@@ -4493,7 +4512,7 @@
     </p:spTree>
     <p:extLst>
       <p:ext uri="{BB962C8B-B14F-4D97-AF65-F5344CB8AC3E}">
-        <p14:creationId xmlns:p14="http://schemas.microsoft.com/office/powerpoint/2010/main" val="4093315854"/>
+        <p14:creationId xmlns:p14="http://schemas.microsoft.com/office/powerpoint/2010/main" val="2538855724"/>
       </p:ext>
     </p:extLst>
   </p:cSld>
@@ -4568,7 +4587,7 @@
           <a:p>
             <a:fld id="{266FFDD2-8F09-4B95-855D-B6E7196B1E6E}" type="slidenum">
               <a:rPr lang="en-US"/>
-              <a:t>6</a:t>
+              <a:t>7</a:t>
             </a:fld>
             <a:endParaRPr lang="en-US"/>
           </a:p>
@@ -4631,80 +4650,9 @@
           <a:bodyPr/>
           <a:lstStyle/>
           <a:p>
-            <a:pPr marL="228600" indent="-228600">
-              <a:buAutoNum type="arabicPeriod"/>
-            </a:pPr>
             <a:r>
               <a:rPr lang="en-CA" dirty="0" smtClean="0"/>
-              <a:t>Identify a few digits</a:t>
-            </a:r>
-            <a:r>
-              <a:rPr lang="en-CA" baseline="0" dirty="0" smtClean="0"/>
-              <a:t> of the commit you want to tag</a:t>
-            </a:r>
-          </a:p>
-          <a:p>
-            <a:pPr marL="228600" indent="-228600">
-              <a:buAutoNum type="arabicPeriod"/>
-            </a:pPr>
-            <a:r>
-              <a:rPr lang="en-CA" baseline="0" dirty="0" smtClean="0"/>
-              <a:t>Tag the commit using “git tag &lt;</a:t>
-            </a:r>
-            <a:r>
-              <a:rPr lang="en-CA" baseline="0" dirty="0" err="1" smtClean="0"/>
-              <a:t>tagname</a:t>
-            </a:r>
-            <a:r>
-              <a:rPr lang="en-CA" baseline="0" dirty="0" smtClean="0"/>
-              <a:t>&gt; &lt;</a:t>
-            </a:r>
-            <a:r>
-              <a:rPr lang="en-CA" baseline="0" dirty="0" err="1" smtClean="0"/>
-              <a:t>firstFewDigitsOfCommit</a:t>
-            </a:r>
-            <a:r>
-              <a:rPr lang="en-CA" baseline="0" dirty="0" smtClean="0"/>
-              <a:t>&gt;”</a:t>
-            </a:r>
-          </a:p>
-          <a:p>
-            <a:pPr marL="228600" indent="-228600">
-              <a:buAutoNum type="arabicPeriod"/>
-            </a:pPr>
-            <a:r>
-              <a:rPr lang="en-CA" baseline="0" dirty="0" smtClean="0"/>
-              <a:t>Check tag using git log</a:t>
-            </a:r>
-          </a:p>
-          <a:p>
-            <a:pPr marL="228600" indent="-228600">
-              <a:buAutoNum type="arabicPeriod"/>
-            </a:pPr>
-            <a:endParaRPr lang="en-CA" baseline="0" dirty="0" smtClean="0"/>
-          </a:p>
-          <a:p>
-            <a:pPr marL="0" indent="0">
-              <a:buNone/>
-            </a:pPr>
-            <a:r>
-              <a:rPr lang="en-CA" baseline="0" dirty="0" smtClean="0"/>
-              <a:t>Tagging is useful if you want to identify a point in your code using human words. For example, if you have multiple versions of your code, you can tag which commit corresponds to version 1. Tagging will be useful for your class assignments</a:t>
-            </a:r>
-          </a:p>
-          <a:p>
-            <a:pPr marL="0" indent="0">
-              <a:buNone/>
-            </a:pPr>
-            <a:endParaRPr lang="en-CA" baseline="0" dirty="0" smtClean="0"/>
-          </a:p>
-          <a:p>
-            <a:pPr marL="0" indent="0">
-              <a:buNone/>
-            </a:pPr>
-            <a:r>
-              <a:rPr lang="en-CA" baseline="0" dirty="0" smtClean="0"/>
-              <a:t>Also, we used a different flavor of git log. We added some options so that it would show us the log in a different format.</a:t>
+              <a:t>Check the logs to see who committed, what they committed, and when with “git log”</a:t>
             </a:r>
             <a:endParaRPr lang="en-CA" dirty="0"/>
           </a:p>
@@ -4727,7 +4675,7 @@
           <a:p>
             <a:fld id="{266FFDD2-8F09-4B95-855D-B6E7196B1E6E}" type="slidenum">
               <a:rPr lang="en-US" smtClean="0"/>
-              <a:t>26</a:t>
+              <a:t>27</a:t>
             </a:fld>
             <a:endParaRPr lang="en-US"/>
           </a:p>
@@ -4736,7 +4684,7 @@
     </p:spTree>
     <p:extLst>
       <p:ext uri="{BB962C8B-B14F-4D97-AF65-F5344CB8AC3E}">
-        <p14:creationId xmlns:p14="http://schemas.microsoft.com/office/powerpoint/2010/main" val="589055685"/>
+        <p14:creationId xmlns:p14="http://schemas.microsoft.com/office/powerpoint/2010/main" val="4093315854"/>
       </p:ext>
     </p:extLst>
   </p:cSld>
@@ -4790,13 +4738,80 @@
           <a:bodyPr/>
           <a:lstStyle/>
           <a:p>
+            <a:pPr marL="228600" indent="-228600">
+              <a:buAutoNum type="arabicPeriod"/>
+            </a:pPr>
             <a:r>
               <a:rPr lang="en-CA" dirty="0" smtClean="0"/>
-              <a:t>Git</a:t>
+              <a:t>Identify a few digits</a:t>
             </a:r>
             <a:r>
               <a:rPr lang="en-CA" baseline="0" dirty="0" smtClean="0"/>
-              <a:t> diff shows us changes in a file since the last commit. In this case I’ve deleted a semicolon</a:t>
+              <a:t> of the commit you want to tag</a:t>
+            </a:r>
+          </a:p>
+          <a:p>
+            <a:pPr marL="228600" indent="-228600">
+              <a:buAutoNum type="arabicPeriod"/>
+            </a:pPr>
+            <a:r>
+              <a:rPr lang="en-CA" baseline="0" dirty="0" smtClean="0"/>
+              <a:t>Tag the commit using “git tag &lt;</a:t>
+            </a:r>
+            <a:r>
+              <a:rPr lang="en-CA" baseline="0" dirty="0" err="1" smtClean="0"/>
+              <a:t>tagname</a:t>
+            </a:r>
+            <a:r>
+              <a:rPr lang="en-CA" baseline="0" dirty="0" smtClean="0"/>
+              <a:t>&gt; &lt;</a:t>
+            </a:r>
+            <a:r>
+              <a:rPr lang="en-CA" baseline="0" dirty="0" err="1" smtClean="0"/>
+              <a:t>firstFewDigitsOfCommit</a:t>
+            </a:r>
+            <a:r>
+              <a:rPr lang="en-CA" baseline="0" dirty="0" smtClean="0"/>
+              <a:t>&gt;”</a:t>
+            </a:r>
+          </a:p>
+          <a:p>
+            <a:pPr marL="228600" indent="-228600">
+              <a:buAutoNum type="arabicPeriod"/>
+            </a:pPr>
+            <a:r>
+              <a:rPr lang="en-CA" baseline="0" dirty="0" smtClean="0"/>
+              <a:t>Check tag using git log</a:t>
+            </a:r>
+          </a:p>
+          <a:p>
+            <a:pPr marL="228600" indent="-228600">
+              <a:buAutoNum type="arabicPeriod"/>
+            </a:pPr>
+            <a:endParaRPr lang="en-CA" baseline="0" dirty="0" smtClean="0"/>
+          </a:p>
+          <a:p>
+            <a:pPr marL="0" indent="0">
+              <a:buNone/>
+            </a:pPr>
+            <a:r>
+              <a:rPr lang="en-CA" baseline="0" dirty="0" smtClean="0"/>
+              <a:t>Tagging is useful if you want to identify a point in your code using human words. For example, if you have multiple versions of your code, you can tag which commit corresponds to version 1. Tagging will be useful for your class assignments</a:t>
+            </a:r>
+          </a:p>
+          <a:p>
+            <a:pPr marL="0" indent="0">
+              <a:buNone/>
+            </a:pPr>
+            <a:endParaRPr lang="en-CA" baseline="0" dirty="0" smtClean="0"/>
+          </a:p>
+          <a:p>
+            <a:pPr marL="0" indent="0">
+              <a:buNone/>
+            </a:pPr>
+            <a:r>
+              <a:rPr lang="en-CA" baseline="0" dirty="0" smtClean="0"/>
+              <a:t>Also, we used a different flavor of git log. We added some options so that it would show us the log in a different format.</a:t>
             </a:r>
             <a:endParaRPr lang="en-CA" dirty="0"/>
           </a:p>
@@ -4819,7 +4834,7 @@
           <a:p>
             <a:fld id="{266FFDD2-8F09-4B95-855D-B6E7196B1E6E}" type="slidenum">
               <a:rPr lang="en-US" smtClean="0"/>
-              <a:t>27</a:t>
+              <a:t>28</a:t>
             </a:fld>
             <a:endParaRPr lang="en-US"/>
           </a:p>
@@ -4828,7 +4843,7 @@
     </p:spTree>
     <p:extLst>
       <p:ext uri="{BB962C8B-B14F-4D97-AF65-F5344CB8AC3E}">
-        <p14:creationId xmlns:p14="http://schemas.microsoft.com/office/powerpoint/2010/main" val="3501323353"/>
+        <p14:creationId xmlns:p14="http://schemas.microsoft.com/office/powerpoint/2010/main" val="589055685"/>
       </p:ext>
     </p:extLst>
   </p:cSld>
@@ -4884,11 +4899,11 @@
           <a:p>
             <a:r>
               <a:rPr lang="en-CA" dirty="0" smtClean="0"/>
-              <a:t>“git checkout &lt;filename&gt;” reverts the file to the</a:t>
+              <a:t>Git</a:t>
             </a:r>
             <a:r>
               <a:rPr lang="en-CA" baseline="0" dirty="0" smtClean="0"/>
-              <a:t> previous commit. You can even do this with the entire directory. We’ll dive deeper into this command during the next tutorial.</a:t>
+              <a:t> diff shows us changes in a file since the last commit. In this case I’ve deleted a semicolon</a:t>
             </a:r>
             <a:endParaRPr lang="en-CA" dirty="0"/>
           </a:p>
@@ -4911,7 +4926,7 @@
           <a:p>
             <a:fld id="{266FFDD2-8F09-4B95-855D-B6E7196B1E6E}" type="slidenum">
               <a:rPr lang="en-US" smtClean="0"/>
-              <a:t>28</a:t>
+              <a:t>29</a:t>
             </a:fld>
             <a:endParaRPr lang="en-US"/>
           </a:p>
@@ -4920,7 +4935,7 @@
     </p:spTree>
     <p:extLst>
       <p:ext uri="{BB962C8B-B14F-4D97-AF65-F5344CB8AC3E}">
-        <p14:creationId xmlns:p14="http://schemas.microsoft.com/office/powerpoint/2010/main" val="2903289575"/>
+        <p14:creationId xmlns:p14="http://schemas.microsoft.com/office/powerpoint/2010/main" val="3501323353"/>
       </p:ext>
     </p:extLst>
   </p:cSld>
@@ -4976,42 +4991,11 @@
           <a:p>
             <a:r>
               <a:rPr lang="en-CA" dirty="0" smtClean="0"/>
-              <a:t>We now need to sync</a:t>
+              <a:t>“git checkout &lt;filename&gt;” reverts the file to the</a:t>
             </a:r>
             <a:r>
               <a:rPr lang="en-CA" baseline="0" dirty="0" smtClean="0"/>
-              <a:t> our work to the cloud.</a:t>
-            </a:r>
-          </a:p>
-          <a:p>
-            <a:endParaRPr lang="en-CA" baseline="0" dirty="0" smtClean="0"/>
-          </a:p>
-          <a:p>
-            <a:r>
-              <a:rPr lang="en-CA" baseline="0" dirty="0" smtClean="0"/>
-              <a:t>Start by</a:t>
-            </a:r>
-          </a:p>
-          <a:p>
-            <a:pPr marL="228600" indent="-228600">
-              <a:buAutoNum type="arabicPeriod"/>
-            </a:pPr>
-            <a:r>
-              <a:rPr lang="en-CA" baseline="0" dirty="0" smtClean="0"/>
-              <a:t>going to the link </a:t>
-            </a:r>
-          </a:p>
-          <a:p>
-            <a:pPr marL="228600" indent="-228600">
-              <a:buAutoNum type="arabicPeriod"/>
-            </a:pPr>
-            <a:r>
-              <a:rPr lang="en-CA" baseline="0" dirty="0" smtClean="0"/>
-              <a:t>and creating a new repository on </a:t>
-            </a:r>
-            <a:r>
-              <a:rPr lang="en-CA" baseline="0" dirty="0" err="1" smtClean="0"/>
-              <a:t>github</a:t>
+              <a:t> previous commit. You can even do this with the entire directory. We’ll dive deeper into this command during the next tutorial.</a:t>
             </a:r>
             <a:endParaRPr lang="en-CA" dirty="0"/>
           </a:p>
@@ -5034,7 +5018,7 @@
           <a:p>
             <a:fld id="{266FFDD2-8F09-4B95-855D-B6E7196B1E6E}" type="slidenum">
               <a:rPr lang="en-US" smtClean="0"/>
-              <a:t>29</a:t>
+              <a:t>30</a:t>
             </a:fld>
             <a:endParaRPr lang="en-US"/>
           </a:p>
@@ -5043,7 +5027,7 @@
     </p:spTree>
     <p:extLst>
       <p:ext uri="{BB962C8B-B14F-4D97-AF65-F5344CB8AC3E}">
-        <p14:creationId xmlns:p14="http://schemas.microsoft.com/office/powerpoint/2010/main" val="3730388118"/>
+        <p14:creationId xmlns:p14="http://schemas.microsoft.com/office/powerpoint/2010/main" val="2903289575"/>
       </p:ext>
     </p:extLst>
   </p:cSld>
@@ -5099,23 +5083,42 @@
           <a:p>
             <a:r>
               <a:rPr lang="en-CA" dirty="0" smtClean="0"/>
-              <a:t>3. Copy</a:t>
+              <a:t>We now need to sync</a:t>
             </a:r>
             <a:r>
               <a:rPr lang="en-CA" baseline="0" dirty="0" smtClean="0"/>
-              <a:t> the link to the clipboard</a:t>
-            </a:r>
+              <a:t> our work to the cloud.</a:t>
+            </a:r>
+          </a:p>
+          <a:p>
+            <a:endParaRPr lang="en-CA" baseline="0" dirty="0" smtClean="0"/>
           </a:p>
           <a:p>
             <a:r>
               <a:rPr lang="en-CA" baseline="0" dirty="0" smtClean="0"/>
-              <a:t>4. Use the link to set the origin</a:t>
-            </a:r>
-          </a:p>
-          <a:p>
+              <a:t>Start by</a:t>
+            </a:r>
+          </a:p>
+          <a:p>
+            <a:pPr marL="228600" indent="-228600">
+              <a:buAutoNum type="arabicPeriod"/>
+            </a:pPr>
             <a:r>
               <a:rPr lang="en-CA" baseline="0" dirty="0" smtClean="0"/>
-              <a:t>5. Push your commits to the remote repository</a:t>
+              <a:t>going to the link </a:t>
+            </a:r>
+          </a:p>
+          <a:p>
+            <a:pPr marL="228600" indent="-228600">
+              <a:buAutoNum type="arabicPeriod"/>
+            </a:pPr>
+            <a:r>
+              <a:rPr lang="en-CA" baseline="0" dirty="0" smtClean="0"/>
+              <a:t>and creating a new repository on </a:t>
+            </a:r>
+            <a:r>
+              <a:rPr lang="en-CA" baseline="0" dirty="0" err="1" smtClean="0"/>
+              <a:t>github</a:t>
             </a:r>
             <a:endParaRPr lang="en-CA" dirty="0"/>
           </a:p>
@@ -5138,7 +5141,7 @@
           <a:p>
             <a:fld id="{266FFDD2-8F09-4B95-855D-B6E7196B1E6E}" type="slidenum">
               <a:rPr lang="en-US" smtClean="0"/>
-              <a:t>30</a:t>
+              <a:t>31</a:t>
             </a:fld>
             <a:endParaRPr lang="en-US"/>
           </a:p>
@@ -5147,7 +5150,7 @@
     </p:spTree>
     <p:extLst>
       <p:ext uri="{BB962C8B-B14F-4D97-AF65-F5344CB8AC3E}">
-        <p14:creationId xmlns:p14="http://schemas.microsoft.com/office/powerpoint/2010/main" val="751109660"/>
+        <p14:creationId xmlns:p14="http://schemas.microsoft.com/office/powerpoint/2010/main" val="3730388118"/>
       </p:ext>
     </p:extLst>
   </p:cSld>
@@ -5203,11 +5206,23 @@
           <a:p>
             <a:r>
               <a:rPr lang="en-CA" dirty="0" smtClean="0"/>
-              <a:t>Now that</a:t>
+              <a:t>3. Copy</a:t>
             </a:r>
             <a:r>
               <a:rPr lang="en-CA" baseline="0" dirty="0" smtClean="0"/>
-              <a:t> you have linked your local repository to one in the cloud, you can push commit to synchronize the remote repo, or pull commits to synchronize the local repo.</a:t>
+              <a:t> the link to the clipboard</a:t>
+            </a:r>
+          </a:p>
+          <a:p>
+            <a:r>
+              <a:rPr lang="en-CA" baseline="0" dirty="0" smtClean="0"/>
+              <a:t>4. Use the link to set the origin</a:t>
+            </a:r>
+          </a:p>
+          <a:p>
+            <a:r>
+              <a:rPr lang="en-CA" baseline="0" dirty="0" smtClean="0"/>
+              <a:t>5. Push your commits to the remote repository</a:t>
             </a:r>
             <a:endParaRPr lang="en-CA" dirty="0"/>
           </a:p>
@@ -5230,7 +5245,7 @@
           <a:p>
             <a:fld id="{266FFDD2-8F09-4B95-855D-B6E7196B1E6E}" type="slidenum">
               <a:rPr lang="en-US" smtClean="0"/>
-              <a:t>31</a:t>
+              <a:t>32</a:t>
             </a:fld>
             <a:endParaRPr lang="en-US"/>
           </a:p>
@@ -5239,7 +5254,7 @@
     </p:spTree>
     <p:extLst>
       <p:ext uri="{BB962C8B-B14F-4D97-AF65-F5344CB8AC3E}">
-        <p14:creationId xmlns:p14="http://schemas.microsoft.com/office/powerpoint/2010/main" val="247540964"/>
+        <p14:creationId xmlns:p14="http://schemas.microsoft.com/office/powerpoint/2010/main" val="751109660"/>
       </p:ext>
     </p:extLst>
   </p:cSld>
@@ -5293,7 +5308,15 @@
           <a:bodyPr/>
           <a:lstStyle/>
           <a:p>
-            <a:endParaRPr lang="en-CA" baseline="0" dirty="0" smtClean="0"/>
+            <a:r>
+              <a:rPr lang="en-CA" dirty="0" smtClean="0"/>
+              <a:t>Now that</a:t>
+            </a:r>
+            <a:r>
+              <a:rPr lang="en-CA" baseline="0" dirty="0" smtClean="0"/>
+              <a:t> you have linked your local repository to one in the cloud, you can push commit to synchronize the remote repo, or pull commits to synchronize the local repo.</a:t>
+            </a:r>
+            <a:endParaRPr lang="en-CA" dirty="0"/>
           </a:p>
         </p:txBody>
       </p:sp>
@@ -5315,6 +5338,90 @@
             <a:fld id="{266FFDD2-8F09-4B95-855D-B6E7196B1E6E}" type="slidenum">
               <a:rPr lang="en-US" smtClean="0"/>
               <a:t>33</a:t>
+            </a:fld>
+            <a:endParaRPr lang="en-US"/>
+          </a:p>
+        </p:txBody>
+      </p:sp>
+    </p:spTree>
+    <p:extLst>
+      <p:ext uri="{BB962C8B-B14F-4D97-AF65-F5344CB8AC3E}">
+        <p14:creationId xmlns:p14="http://schemas.microsoft.com/office/powerpoint/2010/main" val="247540964"/>
+      </p:ext>
+    </p:extLst>
+  </p:cSld>
+  <p:clrMapOvr>
+    <a:masterClrMapping/>
+  </p:clrMapOvr>
+</p:notes>
+</file>
+
+<file path=ppt/notesSlides/notesSlide27.xml><?xml version="1.0" encoding="utf-8"?>
+<p:notes xmlns:a="http://schemas.openxmlformats.org/drawingml/2006/main" xmlns:r="http://schemas.openxmlformats.org/officeDocument/2006/relationships" xmlns:p="http://schemas.openxmlformats.org/presentationml/2006/main">
+  <p:cSld>
+    <p:spTree>
+      <p:nvGrpSpPr>
+        <p:cNvPr id="1" name=""/>
+        <p:cNvGrpSpPr/>
+        <p:nvPr/>
+      </p:nvGrpSpPr>
+      <p:grpSpPr>
+        <a:xfrm>
+          <a:off x="0" y="0"/>
+          <a:ext cx="0" cy="0"/>
+          <a:chOff x="0" y="0"/>
+          <a:chExt cx="0" cy="0"/>
+        </a:xfrm>
+      </p:grpSpPr>
+      <p:sp>
+        <p:nvSpPr>
+          <p:cNvPr id="2" name="Slide Image Placeholder 1"/>
+          <p:cNvSpPr>
+            <a:spLocks noGrp="1" noRot="1" noChangeAspect="1"/>
+          </p:cNvSpPr>
+          <p:nvPr>
+            <p:ph type="sldImg"/>
+          </p:nvPr>
+        </p:nvSpPr>
+        <p:spPr/>
+      </p:sp>
+      <p:sp>
+        <p:nvSpPr>
+          <p:cNvPr id="3" name="Notes Placeholder 2"/>
+          <p:cNvSpPr>
+            <a:spLocks noGrp="1"/>
+          </p:cNvSpPr>
+          <p:nvPr>
+            <p:ph type="body" idx="1"/>
+          </p:nvPr>
+        </p:nvSpPr>
+        <p:spPr/>
+        <p:txBody>
+          <a:bodyPr/>
+          <a:lstStyle/>
+          <a:p>
+            <a:endParaRPr lang="en-CA" baseline="0" dirty="0" smtClean="0"/>
+          </a:p>
+        </p:txBody>
+      </p:sp>
+      <p:sp>
+        <p:nvSpPr>
+          <p:cNvPr id="4" name="Slide Number Placeholder 3"/>
+          <p:cNvSpPr>
+            <a:spLocks noGrp="1"/>
+          </p:cNvSpPr>
+          <p:nvPr>
+            <p:ph type="sldNum" sz="quarter" idx="10"/>
+          </p:nvPr>
+        </p:nvSpPr>
+        <p:spPr/>
+        <p:txBody>
+          <a:bodyPr/>
+          <a:lstStyle/>
+          <a:p>
+            <a:fld id="{266FFDD2-8F09-4B95-855D-B6E7196B1E6E}" type="slidenum">
+              <a:rPr lang="en-US" smtClean="0"/>
+              <a:t>35</a:t>
             </a:fld>
             <a:endParaRPr lang="en-US"/>
           </a:p>
@@ -5436,7 +5543,7 @@
           <a:p>
             <a:fld id="{266FFDD2-8F09-4B95-855D-B6E7196B1E6E}" type="slidenum">
               <a:rPr lang="en-US"/>
-              <a:t>7</a:t>
+              <a:t>8</a:t>
             </a:fld>
             <a:endParaRPr lang="en-US"/>
           </a:p>
@@ -5520,7 +5627,7 @@
           <a:p>
             <a:fld id="{266FFDD2-8F09-4B95-855D-B6E7196B1E6E}" type="slidenum">
               <a:rPr lang="en-US"/>
-              <a:t>8</a:t>
+              <a:t>9</a:t>
             </a:fld>
             <a:endParaRPr lang="en-US"/>
           </a:p>
@@ -5604,7 +5711,7 @@
           <a:p>
             <a:fld id="{266FFDD2-8F09-4B95-855D-B6E7196B1E6E}" type="slidenum">
               <a:rPr lang="en-US"/>
-              <a:t>10</a:t>
+              <a:t>11</a:t>
             </a:fld>
             <a:endParaRPr lang="en-US"/>
           </a:p>
@@ -5667,73 +5774,30 @@
           <a:bodyPr/>
           <a:lstStyle/>
           <a:p>
-            <a:pPr marL="228600" indent="-228600">
-              <a:buAutoNum type="arabicPeriod"/>
-            </a:pPr>
             <a:r>
               <a:rPr lang="en-CA" dirty="0" smtClean="0"/>
-              <a:t>Configure</a:t>
+              <a:t>For</a:t>
             </a:r>
             <a:r>
               <a:rPr lang="en-CA" baseline="0" dirty="0" smtClean="0"/>
-              <a:t> your username</a:t>
-            </a:r>
-          </a:p>
-          <a:p>
-            <a:pPr marL="228600" indent="-228600">
-              <a:buAutoNum type="arabicPeriod"/>
-            </a:pPr>
+              <a:t> </a:t>
+            </a:r>
+            <a:r>
+              <a:rPr lang="en-CA" baseline="0" dirty="0" err="1" smtClean="0"/>
+              <a:t>linux</a:t>
+            </a:r>
             <a:r>
               <a:rPr lang="en-CA" baseline="0" dirty="0" smtClean="0"/>
-              <a:t>Configure your email</a:t>
-            </a:r>
-          </a:p>
-          <a:p>
-            <a:pPr marL="228600" indent="-228600">
-              <a:buAutoNum type="arabicPeriod"/>
-            </a:pPr>
+              <a:t> and mac, Go to terminal and type git then hit enter. If you see a long paragraph starting with the word usage, then you’ve done it correctly.</a:t>
+            </a:r>
+          </a:p>
+          <a:p>
+            <a:endParaRPr lang="en-CA" baseline="0" dirty="0" smtClean="0"/>
+          </a:p>
+          <a:p>
             <a:r>
               <a:rPr lang="en-CA" baseline="0" dirty="0" smtClean="0"/>
-              <a:t>Configure </a:t>
-            </a:r>
-            <a:r>
-              <a:rPr lang="en-CA" baseline="0" dirty="0" err="1" smtClean="0"/>
-              <a:t>ssh</a:t>
-            </a:r>
-            <a:r>
-              <a:rPr lang="en-CA" baseline="0" dirty="0" smtClean="0"/>
-              <a:t> keys</a:t>
-            </a:r>
-          </a:p>
-          <a:p>
-            <a:pPr marL="228600" indent="-228600">
-              <a:buAutoNum type="arabicPeriod"/>
-            </a:pPr>
-            <a:endParaRPr lang="en-CA" baseline="0" dirty="0" smtClean="0"/>
-          </a:p>
-          <a:p>
-            <a:pPr marL="0" indent="0">
-              <a:buNone/>
-            </a:pPr>
-            <a:r>
-              <a:rPr lang="en-CA" baseline="0" dirty="0" smtClean="0"/>
-              <a:t>Make sure that the username and email you put are the same as you have on </a:t>
-            </a:r>
-            <a:r>
-              <a:rPr lang="en-CA" baseline="0" dirty="0" err="1" smtClean="0"/>
-              <a:t>github</a:t>
-            </a:r>
-            <a:r>
-              <a:rPr lang="en-CA" baseline="0" dirty="0" smtClean="0"/>
-              <a:t>. SSH keys are like your password. </a:t>
-            </a:r>
-            <a:r>
-              <a:rPr lang="en-CA" baseline="0" dirty="0" err="1" smtClean="0"/>
-              <a:t>Github</a:t>
-            </a:r>
-            <a:r>
-              <a:rPr lang="en-CA" baseline="0" dirty="0" smtClean="0"/>
-              <a:t> compares the SSH keys coming from git to make sure its really you.</a:t>
+              <a:t>For Windows if you search for the program git bash then you are good to go.</a:t>
             </a:r>
             <a:endParaRPr lang="en-CA" dirty="0"/>
           </a:p>
@@ -5756,7 +5820,7 @@
           <a:p>
             <a:fld id="{266FFDD2-8F09-4B95-855D-B6E7196B1E6E}" type="slidenum">
               <a:rPr lang="en-US" smtClean="0"/>
-              <a:t>11</a:t>
+              <a:t>12</a:t>
             </a:fld>
             <a:endParaRPr lang="en-US"/>
           </a:p>
@@ -5765,7 +5829,7 @@
     </p:spTree>
     <p:extLst>
       <p:ext uri="{BB962C8B-B14F-4D97-AF65-F5344CB8AC3E}">
-        <p14:creationId xmlns:p14="http://schemas.microsoft.com/office/powerpoint/2010/main" val="2397587035"/>
+        <p14:creationId xmlns:p14="http://schemas.microsoft.com/office/powerpoint/2010/main" val="748679316"/>
       </p:ext>
     </p:extLst>
   </p:cSld>
@@ -5823,12 +5887,12 @@
               <a:buAutoNum type="arabicPeriod"/>
             </a:pPr>
             <a:r>
-              <a:rPr lang="en-US" dirty="0" smtClean="0"/>
-              <a:t>Go to </a:t>
-            </a:r>
-            <a:r>
-              <a:rPr lang="en-US" dirty="0" smtClean="0"/>
-              <a:t>https://github.com/shabbir-hussain/ecse321tutW15</a:t>
+              <a:rPr lang="en-CA" dirty="0" smtClean="0"/>
+              <a:t>Configure</a:t>
+            </a:r>
+            <a:r>
+              <a:rPr lang="en-CA" baseline="0" dirty="0" smtClean="0"/>
+              <a:t> your username</a:t>
             </a:r>
           </a:p>
           <a:p>
@@ -5836,12 +5900,8 @@
               <a:buAutoNum type="arabicPeriod"/>
             </a:pPr>
             <a:r>
-              <a:rPr lang="en-US" dirty="0" smtClean="0"/>
-              <a:t>Find </a:t>
-            </a:r>
-            <a:r>
-              <a:rPr lang="en-US" dirty="0" smtClean="0"/>
-              <a:t>the link to clone on the right hand side</a:t>
+              <a:rPr lang="en-CA" baseline="0" dirty="0" smtClean="0"/>
+              <a:t>Configure your email</a:t>
             </a:r>
           </a:p>
           <a:p>
@@ -5849,32 +5909,49 @@
               <a:buAutoNum type="arabicPeriod"/>
             </a:pPr>
             <a:r>
-              <a:rPr lang="en-US" dirty="0" smtClean="0"/>
-              <a:t>Type the command </a:t>
-            </a:r>
-            <a:r>
-              <a:rPr lang="en-US" dirty="0" smtClean="0"/>
-              <a:t>‘https://github.com/</a:t>
-            </a:r>
-            <a:r>
-              <a:rPr lang="en-US" dirty="0" err="1" smtClean="0"/>
-              <a:t>shabbir-hussain</a:t>
-            </a:r>
-            <a:r>
-              <a:rPr lang="en-US" dirty="0" smtClean="0"/>
-              <a:t>/ecse321tutW15.git’ </a:t>
-            </a:r>
-            <a:endParaRPr lang="en-US" dirty="0" smtClean="0"/>
+              <a:rPr lang="en-CA" baseline="0" dirty="0" smtClean="0"/>
+              <a:t>Configure </a:t>
+            </a:r>
+            <a:r>
+              <a:rPr lang="en-CA" baseline="0" dirty="0" err="1" smtClean="0"/>
+              <a:t>ssh</a:t>
+            </a:r>
+            <a:r>
+              <a:rPr lang="en-CA" baseline="0" dirty="0" smtClean="0"/>
+              <a:t> keys</a:t>
+            </a:r>
           </a:p>
           <a:p>
             <a:pPr marL="228600" indent="-228600">
               <a:buAutoNum type="arabicPeriod"/>
             </a:pPr>
-            <a:r>
-              <a:rPr lang="en-US" dirty="0" smtClean="0"/>
-              <a:t>enjoy</a:t>
-            </a:r>
-            <a:endParaRPr lang="en-US" dirty="0"/>
+            <a:endParaRPr lang="en-CA" baseline="0" dirty="0" smtClean="0"/>
+          </a:p>
+          <a:p>
+            <a:pPr marL="0" indent="0">
+              <a:buNone/>
+            </a:pPr>
+            <a:r>
+              <a:rPr lang="en-CA" baseline="0" dirty="0" smtClean="0"/>
+              <a:t>Make sure that the username and email you put are the same as you have on </a:t>
+            </a:r>
+            <a:r>
+              <a:rPr lang="en-CA" baseline="0" dirty="0" err="1" smtClean="0"/>
+              <a:t>github</a:t>
+            </a:r>
+            <a:r>
+              <a:rPr lang="en-CA" baseline="0" dirty="0" smtClean="0"/>
+              <a:t>. SSH keys are like your password. </a:t>
+            </a:r>
+            <a:r>
+              <a:rPr lang="en-CA" baseline="0" dirty="0" err="1" smtClean="0"/>
+              <a:t>Github</a:t>
+            </a:r>
+            <a:r>
+              <a:rPr lang="en-CA" baseline="0" dirty="0" smtClean="0"/>
+              <a:t> compares the SSH keys coming from git to make sure its really you.</a:t>
+            </a:r>
+            <a:endParaRPr lang="en-CA" dirty="0"/>
           </a:p>
         </p:txBody>
       </p:sp>
@@ -5894,8 +5971,8 @@
           <a:lstStyle/>
           <a:p>
             <a:fld id="{266FFDD2-8F09-4B95-855D-B6E7196B1E6E}" type="slidenum">
-              <a:rPr lang="en-US"/>
-              <a:t>12</a:t>
+              <a:rPr lang="en-US" smtClean="0"/>
+              <a:t>13</a:t>
             </a:fld>
             <a:endParaRPr lang="en-US"/>
           </a:p>
@@ -5904,7 +5981,7 @@
     </p:spTree>
     <p:extLst>
       <p:ext uri="{BB962C8B-B14F-4D97-AF65-F5344CB8AC3E}">
-        <p14:creationId xmlns:p14="http://schemas.microsoft.com/office/powerpoint/2010/main" val="1724908608"/>
+        <p14:creationId xmlns:p14="http://schemas.microsoft.com/office/powerpoint/2010/main" val="2397587035"/>
       </p:ext>
     </p:extLst>
   </p:cSld>
@@ -5958,16 +6035,47 @@
           <a:bodyPr/>
           <a:lstStyle/>
           <a:p>
-            <a:pPr marL="0" indent="0">
-              <a:buNone/>
+            <a:pPr marL="228600" indent="-228600">
+              <a:buAutoNum type="arabicPeriod"/>
             </a:pPr>
             <a:r>
               <a:rPr lang="en-US" dirty="0" smtClean="0"/>
-              <a:t>Congratulations. If you see the abov</a:t>
-            </a:r>
-            <a:r>
-              <a:rPr lang="en-US" baseline="0" dirty="0" smtClean="0"/>
-              <a:t>e message you’ve correctly cloned the repository</a:t>
+              <a:t>Go to https://github.com/shabbir-hussain/ecse321tutW15</a:t>
+            </a:r>
+          </a:p>
+          <a:p>
+            <a:pPr marL="228600" indent="-228600">
+              <a:buAutoNum type="arabicPeriod"/>
+            </a:pPr>
+            <a:r>
+              <a:rPr lang="en-US" dirty="0" smtClean="0"/>
+              <a:t>Find the link to clone on the right hand side</a:t>
+            </a:r>
+          </a:p>
+          <a:p>
+            <a:pPr marL="228600" indent="-228600">
+              <a:buAutoNum type="arabicPeriod"/>
+            </a:pPr>
+            <a:r>
+              <a:rPr lang="en-US" dirty="0" smtClean="0"/>
+              <a:t>Type the command ‘https://github.com/</a:t>
+            </a:r>
+            <a:r>
+              <a:rPr lang="en-US" dirty="0" err="1" smtClean="0"/>
+              <a:t>shabbir-hussain</a:t>
+            </a:r>
+            <a:r>
+              <a:rPr lang="en-US" dirty="0" smtClean="0"/>
+              <a:t>/ecse321tutW15.git’ </a:t>
+            </a:r>
+          </a:p>
+          <a:p>
+            <a:pPr marL="228600" indent="-228600">
+              <a:buAutoNum type="arabicPeriod"/>
+            </a:pPr>
+            <a:r>
+              <a:rPr lang="en-US" dirty="0" smtClean="0"/>
+              <a:t>enjoy</a:t>
             </a:r>
             <a:endParaRPr lang="en-US" dirty="0"/>
           </a:p>
@@ -5990,7 +6098,7 @@
           <a:p>
             <a:fld id="{266FFDD2-8F09-4B95-855D-B6E7196B1E6E}" type="slidenum">
               <a:rPr lang="en-US"/>
-              <a:t>13</a:t>
+              <a:t>14</a:t>
             </a:fld>
             <a:endParaRPr lang="en-US"/>
           </a:p>
@@ -5999,7 +6107,7 @@
     </p:spTree>
     <p:extLst>
       <p:ext uri="{BB962C8B-B14F-4D97-AF65-F5344CB8AC3E}">
-        <p14:creationId xmlns:p14="http://schemas.microsoft.com/office/powerpoint/2010/main" val="229940513"/>
+        <p14:creationId xmlns:p14="http://schemas.microsoft.com/office/powerpoint/2010/main" val="1724908608"/>
       </p:ext>
     </p:extLst>
   </p:cSld>
@@ -6053,7 +6161,18 @@
           <a:bodyPr/>
           <a:lstStyle/>
           <a:p>
-            <a:endParaRPr lang="en-CA"/>
+            <a:pPr marL="0" indent="0">
+              <a:buNone/>
+            </a:pPr>
+            <a:r>
+              <a:rPr lang="en-US" dirty="0" smtClean="0"/>
+              <a:t>Congratulations. If you see the abov</a:t>
+            </a:r>
+            <a:r>
+              <a:rPr lang="en-US" baseline="0" dirty="0" smtClean="0"/>
+              <a:t>e message you’ve correctly cloned the repository</a:t>
+            </a:r>
+            <a:endParaRPr lang="en-US" dirty="0"/>
           </a:p>
         </p:txBody>
       </p:sp>
@@ -6073,8 +6192,8 @@
           <a:lstStyle/>
           <a:p>
             <a:fld id="{266FFDD2-8F09-4B95-855D-B6E7196B1E6E}" type="slidenum">
-              <a:rPr lang="en-US" smtClean="0"/>
-              <a:t>14</a:t>
+              <a:rPr lang="en-US"/>
+              <a:t>15</a:t>
             </a:fld>
             <a:endParaRPr lang="en-US"/>
           </a:p>
@@ -6083,7 +6202,7 @@
     </p:spTree>
     <p:extLst>
       <p:ext uri="{BB962C8B-B14F-4D97-AF65-F5344CB8AC3E}">
-        <p14:creationId xmlns:p14="http://schemas.microsoft.com/office/powerpoint/2010/main" val="2223760952"/>
+        <p14:creationId xmlns:p14="http://schemas.microsoft.com/office/powerpoint/2010/main" val="229940513"/>
       </p:ext>
     </p:extLst>
   </p:cSld>
@@ -6224,7 +6343,7 @@
           <a:p>
             <a:fld id="{846CE7D5-CF57-46EF-B807-FDD0502418D4}" type="datetimeFigureOut">
               <a:rPr lang="en-US" smtClean="0"/>
-              <a:t>1/12/2015</a:t>
+              <a:t>1/14/2015</a:t>
             </a:fld>
             <a:endParaRPr lang="en-US"/>
           </a:p>
@@ -6394,7 +6513,7 @@
           <a:p>
             <a:fld id="{846CE7D5-CF57-46EF-B807-FDD0502418D4}" type="datetimeFigureOut">
               <a:rPr lang="en-US" smtClean="0"/>
-              <a:t>1/12/2015</a:t>
+              <a:t>1/14/2015</a:t>
             </a:fld>
             <a:endParaRPr lang="en-US"/>
           </a:p>
@@ -6574,7 +6693,7 @@
           <a:p>
             <a:fld id="{846CE7D5-CF57-46EF-B807-FDD0502418D4}" type="datetimeFigureOut">
               <a:rPr lang="en-US" smtClean="0"/>
-              <a:t>1/12/2015</a:t>
+              <a:t>1/14/2015</a:t>
             </a:fld>
             <a:endParaRPr lang="en-US"/>
           </a:p>
@@ -6744,7 +6863,7 @@
           <a:p>
             <a:fld id="{846CE7D5-CF57-46EF-B807-FDD0502418D4}" type="datetimeFigureOut">
               <a:rPr lang="en-US" smtClean="0"/>
-              <a:t>1/12/2015</a:t>
+              <a:t>1/14/2015</a:t>
             </a:fld>
             <a:endParaRPr lang="en-US"/>
           </a:p>
@@ -6990,7 +7109,7 @@
           <a:p>
             <a:fld id="{846CE7D5-CF57-46EF-B807-FDD0502418D4}" type="datetimeFigureOut">
               <a:rPr lang="en-US" smtClean="0"/>
-              <a:t>1/12/2015</a:t>
+              <a:t>1/14/2015</a:t>
             </a:fld>
             <a:endParaRPr lang="en-US"/>
           </a:p>
@@ -7222,7 +7341,7 @@
           <a:p>
             <a:fld id="{846CE7D5-CF57-46EF-B807-FDD0502418D4}" type="datetimeFigureOut">
               <a:rPr lang="en-US" smtClean="0"/>
-              <a:t>1/12/2015</a:t>
+              <a:t>1/14/2015</a:t>
             </a:fld>
             <a:endParaRPr lang="en-US"/>
           </a:p>
@@ -7589,7 +7708,7 @@
           <a:p>
             <a:fld id="{846CE7D5-CF57-46EF-B807-FDD0502418D4}" type="datetimeFigureOut">
               <a:rPr lang="en-US" smtClean="0"/>
-              <a:t>1/12/2015</a:t>
+              <a:t>1/14/2015</a:t>
             </a:fld>
             <a:endParaRPr lang="en-US"/>
           </a:p>
@@ -7707,7 +7826,7 @@
           <a:p>
             <a:fld id="{846CE7D5-CF57-46EF-B807-FDD0502418D4}" type="datetimeFigureOut">
               <a:rPr lang="en-US" smtClean="0"/>
-              <a:t>1/12/2015</a:t>
+              <a:t>1/14/2015</a:t>
             </a:fld>
             <a:endParaRPr lang="en-US"/>
           </a:p>
@@ -7802,7 +7921,7 @@
           <a:p>
             <a:fld id="{846CE7D5-CF57-46EF-B807-FDD0502418D4}" type="datetimeFigureOut">
               <a:rPr lang="en-US" smtClean="0"/>
-              <a:t>1/12/2015</a:t>
+              <a:t>1/14/2015</a:t>
             </a:fld>
             <a:endParaRPr lang="en-US"/>
           </a:p>
@@ -8079,7 +8198,7 @@
           <a:p>
             <a:fld id="{846CE7D5-CF57-46EF-B807-FDD0502418D4}" type="datetimeFigureOut">
               <a:rPr lang="en-US" smtClean="0"/>
-              <a:t>1/12/2015</a:t>
+              <a:t>1/14/2015</a:t>
             </a:fld>
             <a:endParaRPr lang="en-US"/>
           </a:p>
@@ -8332,7 +8451,7 @@
           <a:p>
             <a:fld id="{846CE7D5-CF57-46EF-B807-FDD0502418D4}" type="datetimeFigureOut">
               <a:rPr lang="en-US" smtClean="0"/>
-              <a:t>1/12/2015</a:t>
+              <a:t>1/14/2015</a:t>
             </a:fld>
             <a:endParaRPr lang="en-US"/>
           </a:p>
@@ -8545,7 +8664,7 @@
           <a:p>
             <a:fld id="{846CE7D5-CF57-46EF-B807-FDD0502418D4}" type="datetimeFigureOut">
               <a:rPr lang="en-US" smtClean="0"/>
-              <a:t>1/12/2015</a:t>
+              <a:t>1/14/2015</a:t>
             </a:fld>
             <a:endParaRPr lang="en-US"/>
           </a:p>
@@ -9130,6 +9249,179 @@
           <a:lstStyle/>
           <a:p>
             <a:r>
+              <a:rPr lang="en-CA" dirty="0" smtClean="0"/>
+              <a:t>Pop Quiz</a:t>
+            </a:r>
+            <a:endParaRPr lang="en-CA" dirty="0"/>
+          </a:p>
+        </p:txBody>
+      </p:sp>
+      <p:sp>
+        <p:nvSpPr>
+          <p:cNvPr id="3" name="Content Placeholder 2"/>
+          <p:cNvSpPr>
+            <a:spLocks noGrp="1"/>
+          </p:cNvSpPr>
+          <p:nvPr>
+            <p:ph idx="1"/>
+          </p:nvPr>
+        </p:nvSpPr>
+        <p:spPr/>
+        <p:txBody>
+          <a:bodyPr/>
+          <a:lstStyle/>
+          <a:p>
+            <a:r>
+              <a:rPr lang="en-CA" dirty="0" smtClean="0"/>
+              <a:t>Would it be a good idea to use </a:t>
+            </a:r>
+            <a:r>
+              <a:rPr lang="en-CA" b="1" dirty="0" smtClean="0">
+                <a:solidFill>
+                  <a:schemeClr val="accent4">
+                    <a:lumMod val="75000"/>
+                  </a:schemeClr>
+                </a:solidFill>
+              </a:rPr>
+              <a:t>version control </a:t>
+            </a:r>
+            <a:r>
+              <a:rPr lang="en-CA" dirty="0" smtClean="0"/>
+              <a:t>on your </a:t>
+            </a:r>
+            <a:r>
+              <a:rPr lang="en-CA" b="1" dirty="0" smtClean="0">
+                <a:solidFill>
+                  <a:srgbClr val="00B050"/>
+                </a:solidFill>
+              </a:rPr>
+              <a:t>photo album</a:t>
+            </a:r>
+            <a:r>
+              <a:rPr lang="en-CA" dirty="0" smtClean="0"/>
+              <a:t>?</a:t>
+            </a:r>
+          </a:p>
+          <a:p>
+            <a:r>
+              <a:rPr lang="en-CA" dirty="0" smtClean="0"/>
+              <a:t>When would you want to </a:t>
+            </a:r>
+            <a:r>
+              <a:rPr lang="en-CA" b="1" dirty="0" smtClean="0">
+                <a:solidFill>
+                  <a:srgbClr val="00B050"/>
+                </a:solidFill>
+              </a:rPr>
+              <a:t>revert</a:t>
+            </a:r>
+            <a:r>
+              <a:rPr lang="en-CA" dirty="0" smtClean="0">
+                <a:solidFill>
+                  <a:srgbClr val="00B050"/>
+                </a:solidFill>
+              </a:rPr>
+              <a:t> </a:t>
+            </a:r>
+            <a:r>
+              <a:rPr lang="en-CA" dirty="0" smtClean="0"/>
+              <a:t>to a </a:t>
+            </a:r>
+            <a:r>
+              <a:rPr lang="en-CA" b="1" dirty="0" smtClean="0">
+                <a:solidFill>
+                  <a:srgbClr val="00B0F0"/>
+                </a:solidFill>
+              </a:rPr>
+              <a:t>previous version </a:t>
+            </a:r>
+            <a:r>
+              <a:rPr lang="en-CA" dirty="0" smtClean="0"/>
+              <a:t>of a file?</a:t>
+            </a:r>
+          </a:p>
+          <a:p>
+            <a:r>
+              <a:rPr lang="en-CA" dirty="0" smtClean="0"/>
+              <a:t>Why would you want to </a:t>
+            </a:r>
+            <a:r>
+              <a:rPr lang="en-CA" b="1" dirty="0" smtClean="0">
+                <a:solidFill>
+                  <a:srgbClr val="00B050"/>
+                </a:solidFill>
+              </a:rPr>
+              <a:t>branch</a:t>
+            </a:r>
+            <a:r>
+              <a:rPr lang="en-CA" dirty="0" smtClean="0">
+                <a:solidFill>
+                  <a:srgbClr val="00B050"/>
+                </a:solidFill>
+              </a:rPr>
+              <a:t> </a:t>
+            </a:r>
+            <a:r>
+              <a:rPr lang="en-CA" dirty="0" smtClean="0"/>
+              <a:t>your files?</a:t>
+            </a:r>
+            <a:endParaRPr lang="en-CA" dirty="0"/>
+          </a:p>
+        </p:txBody>
+      </p:sp>
+    </p:spTree>
+    <p:extLst>
+      <p:ext uri="{BB962C8B-B14F-4D97-AF65-F5344CB8AC3E}">
+        <p14:creationId xmlns:p14="http://schemas.microsoft.com/office/powerpoint/2010/main" val="3257195443"/>
+      </p:ext>
+    </p:extLst>
+  </p:cSld>
+  <p:clrMapOvr>
+    <a:masterClrMapping/>
+  </p:clrMapOvr>
+  <p:timing>
+    <p:tnLst>
+      <p:par>
+        <p:cTn id="1" dur="indefinite" restart="never" nodeType="tmRoot"/>
+      </p:par>
+    </p:tnLst>
+  </p:timing>
+</p:sld>
+</file>
+
+<file path=ppt/slides/slide11.xml><?xml version="1.0" encoding="utf-8"?>
+<p:sld xmlns:a="http://schemas.openxmlformats.org/drawingml/2006/main" xmlns:r="http://schemas.openxmlformats.org/officeDocument/2006/relationships" xmlns:p="http://schemas.openxmlformats.org/presentationml/2006/main">
+  <p:cSld>
+    <p:spTree>
+      <p:nvGrpSpPr>
+        <p:cNvPr id="1" name=""/>
+        <p:cNvGrpSpPr/>
+        <p:nvPr/>
+      </p:nvGrpSpPr>
+      <p:grpSpPr>
+        <a:xfrm>
+          <a:off x="0" y="0"/>
+          <a:ext cx="0" cy="0"/>
+          <a:chOff x="0" y="0"/>
+          <a:chExt cx="0" cy="0"/>
+        </a:xfrm>
+      </p:grpSpPr>
+      <p:sp>
+        <p:nvSpPr>
+          <p:cNvPr id="2" name="Title 1"/>
+          <p:cNvSpPr>
+            <a:spLocks noGrp="1"/>
+          </p:cNvSpPr>
+          <p:nvPr>
+            <p:ph type="title"/>
+          </p:nvPr>
+        </p:nvSpPr>
+        <p:spPr/>
+        <p:txBody>
+          <a:bodyPr/>
+          <a:lstStyle/>
+          <a:p>
+            <a:r>
               <a:rPr lang="en-US"/>
               <a:t>Why You're going to use it</a:t>
             </a:r>
@@ -9269,7 +9561,315 @@
 </p:sld>
 </file>
 
-<file path=ppt/slides/slide11.xml><?xml version="1.0" encoding="utf-8"?>
+<file path=ppt/slides/slide12.xml><?xml version="1.0" encoding="utf-8"?>
+<p:sld xmlns:a="http://schemas.openxmlformats.org/drawingml/2006/main" xmlns:r="http://schemas.openxmlformats.org/officeDocument/2006/relationships" xmlns:p="http://schemas.openxmlformats.org/presentationml/2006/main">
+  <p:cSld>
+    <p:spTree>
+      <p:nvGrpSpPr>
+        <p:cNvPr id="1" name=""/>
+        <p:cNvGrpSpPr/>
+        <p:nvPr/>
+      </p:nvGrpSpPr>
+      <p:grpSpPr>
+        <a:xfrm>
+          <a:off x="0" y="0"/>
+          <a:ext cx="0" cy="0"/>
+          <a:chOff x="0" y="0"/>
+          <a:chExt cx="0" cy="0"/>
+        </a:xfrm>
+      </p:grpSpPr>
+      <p:sp>
+        <p:nvSpPr>
+          <p:cNvPr id="2" name="Title 1"/>
+          <p:cNvSpPr>
+            <a:spLocks noGrp="1"/>
+          </p:cNvSpPr>
+          <p:nvPr>
+            <p:ph type="title"/>
+          </p:nvPr>
+        </p:nvSpPr>
+        <p:spPr/>
+        <p:txBody>
+          <a:bodyPr/>
+          <a:lstStyle/>
+          <a:p>
+            <a:r>
+              <a:rPr lang="en-CA" dirty="0" smtClean="0"/>
+              <a:t>Did I install it correctly</a:t>
+            </a:r>
+            <a:endParaRPr lang="en-CA" dirty="0"/>
+          </a:p>
+        </p:txBody>
+      </p:sp>
+      <p:pic>
+        <p:nvPicPr>
+          <p:cNvPr id="1026" name="Picture 2" descr="http://diy-visualpedia.s3.amazonaws.com/terminal-bash-01.png"/>
+          <p:cNvPicPr>
+            <a:picLocks noGrp="1" noChangeAspect="1" noChangeArrowheads="1"/>
+          </p:cNvPicPr>
+          <p:nvPr>
+            <p:ph idx="1"/>
+          </p:nvPr>
+        </p:nvPicPr>
+        <p:blipFill rotWithShape="1">
+          <a:blip r:embed="rId3">
+            <a:extLst>
+              <a:ext uri="{28A0092B-C50C-407E-A947-70E740481C1C}">
+                <a14:useLocalDpi xmlns:a14="http://schemas.microsoft.com/office/drawing/2010/main" val="0"/>
+              </a:ext>
+            </a:extLst>
+          </a:blip>
+          <a:srcRect l="-1495" t="-453" r="65580" b="453"/>
+          <a:stretch/>
+        </p:blipFill>
+        <p:spPr bwMode="auto">
+          <a:xfrm>
+            <a:off x="4207668" y="1567867"/>
+            <a:ext cx="3776663" cy="3152353"/>
+          </a:xfrm>
+          <a:prstGeom prst="rect">
+            <a:avLst/>
+          </a:prstGeom>
+          <a:noFill/>
+          <a:extLst>
+            <a:ext uri="{909E8E84-426E-40DD-AFC4-6F175D3DCCD1}">
+              <a14:hiddenFill xmlns:a14="http://schemas.microsoft.com/office/drawing/2010/main">
+                <a:solidFill>
+                  <a:srgbClr val="FFFFFF"/>
+                </a:solidFill>
+              </a14:hiddenFill>
+            </a:ext>
+          </a:extLst>
+        </p:spPr>
+      </p:pic>
+      <p:sp>
+        <p:nvSpPr>
+          <p:cNvPr id="5" name="Rounded Rectangle 4"/>
+          <p:cNvSpPr/>
+          <p:nvPr/>
+        </p:nvSpPr>
+        <p:spPr>
+          <a:xfrm>
+            <a:off x="2621359" y="4382666"/>
+            <a:ext cx="1977231" cy="1435941"/>
+          </a:xfrm>
+          <a:prstGeom prst="roundRect">
+            <a:avLst>
+              <a:gd name="adj" fmla="val 10000"/>
+            </a:avLst>
+          </a:prstGeom>
+          <a:blipFill>
+            <a:blip r:embed="rId4">
+              <a:extLst>
+                <a:ext uri="{28A0092B-C50C-407E-A947-70E740481C1C}">
+                  <a14:useLocalDpi xmlns:a14="http://schemas.microsoft.com/office/drawing/2010/main" val="0"/>
+                </a:ext>
+              </a:extLst>
+            </a:blip>
+            <a:srcRect/>
+            <a:stretch>
+              <a:fillRect t="-14000" b="-14000"/>
+            </a:stretch>
+          </a:blipFill>
+          <a:ln>
+            <a:noFill/>
+          </a:ln>
+        </p:spPr>
+        <p:style>
+          <a:lnRef idx="2">
+            <a:scrgbClr r="0" g="0" b="0"/>
+          </a:lnRef>
+          <a:fillRef idx="1">
+            <a:scrgbClr r="0" g="0" b="0"/>
+          </a:fillRef>
+          <a:effectRef idx="0">
+            <a:schemeClr val="accent1">
+              <a:tint val="50000"/>
+              <a:hueOff val="0"/>
+              <a:satOff val="0"/>
+              <a:lumOff val="0"/>
+              <a:alphaOff val="0"/>
+            </a:schemeClr>
+          </a:effectRef>
+          <a:fontRef idx="minor">
+            <a:schemeClr val="lt1">
+              <a:hueOff val="0"/>
+              <a:satOff val="0"/>
+              <a:lumOff val="0"/>
+              <a:alphaOff val="0"/>
+            </a:schemeClr>
+          </a:fontRef>
+        </p:style>
+      </p:sp>
+      <p:sp>
+        <p:nvSpPr>
+          <p:cNvPr id="6" name="Rounded Rectangle 5"/>
+          <p:cNvSpPr/>
+          <p:nvPr/>
+        </p:nvSpPr>
+        <p:spPr>
+          <a:xfrm>
+            <a:off x="4306093" y="4487021"/>
+            <a:ext cx="1977231" cy="1435941"/>
+          </a:xfrm>
+          <a:prstGeom prst="roundRect">
+            <a:avLst>
+              <a:gd name="adj" fmla="val 10000"/>
+            </a:avLst>
+          </a:prstGeom>
+          <a:blipFill>
+            <a:blip r:embed="rId5">
+              <a:extLst>
+                <a:ext uri="{28A0092B-C50C-407E-A947-70E740481C1C}">
+                  <a14:useLocalDpi xmlns:a14="http://schemas.microsoft.com/office/drawing/2010/main" val="0"/>
+                </a:ext>
+              </a:extLst>
+            </a:blip>
+            <a:srcRect/>
+            <a:stretch>
+              <a:fillRect l="-17000" r="-17000"/>
+            </a:stretch>
+          </a:blipFill>
+        </p:spPr>
+        <p:style>
+          <a:lnRef idx="2">
+            <a:schemeClr val="lt1">
+              <a:hueOff val="0"/>
+              <a:satOff val="0"/>
+              <a:lumOff val="0"/>
+              <a:alphaOff val="0"/>
+            </a:schemeClr>
+          </a:lnRef>
+          <a:fillRef idx="1">
+            <a:scrgbClr r="0" g="0" b="0"/>
+          </a:fillRef>
+          <a:effectRef idx="0">
+            <a:schemeClr val="accent1">
+              <a:tint val="50000"/>
+              <a:hueOff val="0"/>
+              <a:satOff val="0"/>
+              <a:lumOff val="0"/>
+              <a:alphaOff val="0"/>
+            </a:schemeClr>
+          </a:effectRef>
+          <a:fontRef idx="minor">
+            <a:schemeClr val="lt1">
+              <a:hueOff val="0"/>
+              <a:satOff val="0"/>
+              <a:lumOff val="0"/>
+              <a:alphaOff val="0"/>
+            </a:schemeClr>
+          </a:fontRef>
+        </p:style>
+      </p:sp>
+      <p:sp>
+        <p:nvSpPr>
+          <p:cNvPr id="7" name="Rounded Rectangle 6"/>
+          <p:cNvSpPr/>
+          <p:nvPr/>
+        </p:nvSpPr>
+        <p:spPr>
+          <a:xfrm>
+            <a:off x="6857603" y="4382665"/>
+            <a:ext cx="1977231" cy="1435941"/>
+          </a:xfrm>
+          <a:prstGeom prst="roundRect">
+            <a:avLst>
+              <a:gd name="adj" fmla="val 10000"/>
+            </a:avLst>
+          </a:prstGeom>
+          <a:blipFill>
+            <a:blip r:embed="rId6">
+              <a:extLst>
+                <a:ext uri="{28A0092B-C50C-407E-A947-70E740481C1C}">
+                  <a14:useLocalDpi xmlns:a14="http://schemas.microsoft.com/office/drawing/2010/main" val="0"/>
+                </a:ext>
+              </a:extLst>
+            </a:blip>
+            <a:srcRect/>
+            <a:stretch>
+              <a:fillRect t="-6000" b="-6000"/>
+            </a:stretch>
+          </a:blipFill>
+        </p:spPr>
+        <p:style>
+          <a:lnRef idx="2">
+            <a:schemeClr val="lt1">
+              <a:hueOff val="0"/>
+              <a:satOff val="0"/>
+              <a:lumOff val="0"/>
+              <a:alphaOff val="0"/>
+            </a:schemeClr>
+          </a:lnRef>
+          <a:fillRef idx="1">
+            <a:scrgbClr r="0" g="0" b="0"/>
+          </a:fillRef>
+          <a:effectRef idx="0">
+            <a:schemeClr val="accent1">
+              <a:tint val="50000"/>
+              <a:hueOff val="0"/>
+              <a:satOff val="0"/>
+              <a:lumOff val="0"/>
+              <a:alphaOff val="0"/>
+            </a:schemeClr>
+          </a:effectRef>
+          <a:fontRef idx="minor">
+            <a:schemeClr val="lt1">
+              <a:hueOff val="0"/>
+              <a:satOff val="0"/>
+              <a:lumOff val="0"/>
+              <a:alphaOff val="0"/>
+            </a:schemeClr>
+          </a:fontRef>
+        </p:style>
+      </p:sp>
+      <p:cxnSp>
+        <p:nvCxnSpPr>
+          <p:cNvPr id="8" name="Straight Connector 7"/>
+          <p:cNvCxnSpPr>
+            <a:stCxn id="1026" idx="0"/>
+          </p:cNvCxnSpPr>
+          <p:nvPr/>
+        </p:nvCxnSpPr>
+        <p:spPr>
+          <a:xfrm flipH="1">
+            <a:off x="6095999" y="1567867"/>
+            <a:ext cx="1" cy="4747208"/>
+          </a:xfrm>
+          <a:prstGeom prst="line">
+            <a:avLst/>
+          </a:prstGeom>
+          <a:ln w="28575"/>
+        </p:spPr>
+        <p:style>
+          <a:lnRef idx="1">
+            <a:schemeClr val="accent2"/>
+          </a:lnRef>
+          <a:fillRef idx="0">
+            <a:schemeClr val="accent2"/>
+          </a:fillRef>
+          <a:effectRef idx="0">
+            <a:schemeClr val="accent2"/>
+          </a:effectRef>
+          <a:fontRef idx="minor">
+            <a:schemeClr val="tx1"/>
+          </a:fontRef>
+        </p:style>
+      </p:cxnSp>
+    </p:spTree>
+    <p:extLst>
+      <p:ext uri="{BB962C8B-B14F-4D97-AF65-F5344CB8AC3E}">
+        <p14:creationId xmlns:p14="http://schemas.microsoft.com/office/powerpoint/2010/main" val="2392272866"/>
+      </p:ext>
+    </p:extLst>
+  </p:cSld>
+  <p:clrMapOvr>
+    <a:masterClrMapping/>
+  </p:clrMapOvr>
+</p:sld>
+</file>
+
+<file path=ppt/slides/slide13.xml><?xml version="1.0" encoding="utf-8"?>
 <p:sld xmlns:a="http://schemas.openxmlformats.org/drawingml/2006/main" xmlns:r="http://schemas.openxmlformats.org/officeDocument/2006/relationships" xmlns:p="http://schemas.openxmlformats.org/presentationml/2006/main">
   <p:cSld>
     <p:spTree>
@@ -9630,7 +10230,7 @@
 </p:sld>
 </file>
 
-<file path=ppt/slides/slide12.xml><?xml version="1.0" encoding="utf-8"?>
+<file path=ppt/slides/slide14.xml><?xml version="1.0" encoding="utf-8"?>
 <p:sld xmlns:a="http://schemas.openxmlformats.org/drawingml/2006/main" xmlns:r="http://schemas.openxmlformats.org/officeDocument/2006/relationships" xmlns:p="http://schemas.openxmlformats.org/presentationml/2006/main">
   <p:cSld>
     <p:spTree>
@@ -9669,15 +10269,7 @@
           <a:p>
             <a:r>
               <a:rPr lang="en-US" dirty="0" smtClean="0"/>
-              <a:t>Getting the </a:t>
-            </a:r>
-            <a:r>
-              <a:rPr lang="en-US" dirty="0" smtClean="0"/>
-              <a:t>Tutorial </a:t>
-            </a:r>
-            <a:r>
-              <a:rPr lang="en-US" dirty="0" smtClean="0"/>
-              <a:t>notes</a:t>
+              <a:t>Getting the Tutorial notes</a:t>
             </a:r>
             <a:endParaRPr lang="en-US" dirty="0"/>
           </a:p>
@@ -10097,7 +10689,7 @@
 </p:sld>
 </file>
 
-<file path=ppt/slides/slide13.xml><?xml version="1.0" encoding="utf-8"?>
+<file path=ppt/slides/slide15.xml><?xml version="1.0" encoding="utf-8"?>
 <p:sld xmlns:a="http://schemas.openxmlformats.org/drawingml/2006/main" xmlns:r="http://schemas.openxmlformats.org/officeDocument/2006/relationships" xmlns:p="http://schemas.openxmlformats.org/presentationml/2006/main">
   <p:cSld>
     <p:spTree>
@@ -10131,11 +10723,7 @@
           <a:p>
             <a:r>
               <a:rPr lang="en-US" dirty="0" smtClean="0"/>
-              <a:t>Getting the </a:t>
-            </a:r>
-            <a:r>
-              <a:rPr lang="en-US" dirty="0" smtClean="0"/>
-              <a:t>Tutorial notes</a:t>
+              <a:t>Getting the Tutorial notes</a:t>
             </a:r>
             <a:endParaRPr lang="en-US" dirty="0"/>
           </a:p>
@@ -10185,7 +10773,7 @@
 </p:sld>
 </file>
 
-<file path=ppt/slides/slide14.xml><?xml version="1.0" encoding="utf-8"?>
+<file path=ppt/slides/slide16.xml><?xml version="1.0" encoding="utf-8"?>
 <p:sld xmlns:a="http://schemas.openxmlformats.org/drawingml/2006/main" xmlns:r="http://schemas.openxmlformats.org/officeDocument/2006/relationships" xmlns:p="http://schemas.openxmlformats.org/presentationml/2006/main">
   <p:cSld>
     <p:spTree>
@@ -10425,7 +11013,7 @@
 </p:sld>
 </file>
 
-<file path=ppt/slides/slide15.xml><?xml version="1.0" encoding="utf-8"?>
+<file path=ppt/slides/slide17.xml><?xml version="1.0" encoding="utf-8"?>
 <p:sld xmlns:a="http://schemas.openxmlformats.org/drawingml/2006/main" xmlns:r="http://schemas.openxmlformats.org/officeDocument/2006/relationships" xmlns:p="http://schemas.openxmlformats.org/presentationml/2006/main">
   <p:cSld>
     <p:spTree>
@@ -10622,7 +11210,7 @@
 </p:sld>
 </file>
 
-<file path=ppt/slides/slide16.xml><?xml version="1.0" encoding="utf-8"?>
+<file path=ppt/slides/slide18.xml><?xml version="1.0" encoding="utf-8"?>
 <p:sld xmlns:a="http://schemas.openxmlformats.org/drawingml/2006/main" xmlns:r="http://schemas.openxmlformats.org/officeDocument/2006/relationships" xmlns:p="http://schemas.openxmlformats.org/presentationml/2006/main">
   <p:cSld>
     <p:spTree>
@@ -11118,7 +11706,7 @@
 </p:sld>
 </file>
 
-<file path=ppt/slides/slide17.xml><?xml version="1.0" encoding="utf-8"?>
+<file path=ppt/slides/slide19.xml><?xml version="1.0" encoding="utf-8"?>
 <p:sld xmlns:a="http://schemas.openxmlformats.org/drawingml/2006/main" xmlns:r="http://schemas.openxmlformats.org/officeDocument/2006/relationships" xmlns:p="http://schemas.openxmlformats.org/presentationml/2006/main">
   <p:cSld>
     <p:spTree>
@@ -11460,7 +12048,187 @@
 </p:sld>
 </file>
 
-<file path=ppt/slides/slide18.xml><?xml version="1.0" encoding="utf-8"?>
+<file path=ppt/slides/slide2.xml><?xml version="1.0" encoding="utf-8"?>
+<p:sld xmlns:a="http://schemas.openxmlformats.org/drawingml/2006/main" xmlns:r="http://schemas.openxmlformats.org/officeDocument/2006/relationships" xmlns:p="http://schemas.openxmlformats.org/presentationml/2006/main">
+  <p:cSld>
+    <p:spTree>
+      <p:nvGrpSpPr>
+        <p:cNvPr id="1" name=""/>
+        <p:cNvGrpSpPr/>
+        <p:nvPr/>
+      </p:nvGrpSpPr>
+      <p:grpSpPr>
+        <a:xfrm>
+          <a:off x="0" y="0"/>
+          <a:ext cx="0" cy="0"/>
+          <a:chOff x="0" y="0"/>
+          <a:chExt cx="0" cy="0"/>
+        </a:xfrm>
+      </p:grpSpPr>
+      <p:sp>
+        <p:nvSpPr>
+          <p:cNvPr id="2" name="Title 1"/>
+          <p:cNvSpPr>
+            <a:spLocks noGrp="1"/>
+          </p:cNvSpPr>
+          <p:nvPr>
+            <p:ph type="title"/>
+          </p:nvPr>
+        </p:nvSpPr>
+        <p:spPr>
+          <a:xfrm>
+            <a:off x="125413" y="228600"/>
+            <a:ext cx="4575175" cy="1600200"/>
+          </a:xfrm>
+        </p:spPr>
+        <p:txBody>
+          <a:bodyPr>
+            <a:normAutofit/>
+          </a:bodyPr>
+          <a:lstStyle/>
+          <a:p>
+            <a:r>
+              <a:rPr lang="en-CA" sz="3600" dirty="0" smtClean="0"/>
+              <a:t>Your TA this semester </a:t>
+            </a:r>
+            <a:endParaRPr lang="en-CA" sz="3600" dirty="0"/>
+          </a:p>
+        </p:txBody>
+      </p:sp>
+      <p:pic>
+        <p:nvPicPr>
+          <p:cNvPr id="6" name="Content Placeholder 5"/>
+          <p:cNvPicPr>
+            <a:picLocks noGrp="1" noChangeAspect="1"/>
+          </p:cNvPicPr>
+          <p:nvPr>
+            <p:ph idx="1"/>
+          </p:nvPr>
+        </p:nvPicPr>
+        <p:blipFill rotWithShape="1">
+          <a:blip r:embed="rId2" cstate="print">
+            <a:extLst>
+              <a:ext uri="{28A0092B-C50C-407E-A947-70E740481C1C}">
+                <a14:useLocalDpi xmlns:a14="http://schemas.microsoft.com/office/drawing/2010/main" val="0"/>
+              </a:ext>
+            </a:extLst>
+          </a:blip>
+          <a:stretch/>
+        </p:blipFill>
+        <p:spPr>
+          <a:xfrm>
+            <a:off x="6857407" y="1123950"/>
+            <a:ext cx="2738038" cy="4873625"/>
+          </a:xfrm>
+        </p:spPr>
+      </p:pic>
+      <p:sp>
+        <p:nvSpPr>
+          <p:cNvPr id="4" name="Text Placeholder 3"/>
+          <p:cNvSpPr>
+            <a:spLocks noGrp="1"/>
+          </p:cNvSpPr>
+          <p:nvPr>
+            <p:ph type="body" sz="half" idx="2"/>
+          </p:nvPr>
+        </p:nvSpPr>
+        <p:spPr>
+          <a:xfrm>
+            <a:off x="225426" y="2185987"/>
+            <a:ext cx="6346825" cy="3811588"/>
+          </a:xfrm>
+        </p:spPr>
+        <p:txBody>
+          <a:bodyPr>
+            <a:normAutofit fontScale="92500" lnSpcReduction="10000"/>
+          </a:bodyPr>
+          <a:lstStyle/>
+          <a:p>
+            <a:r>
+              <a:rPr lang="en-CA" sz="2600" dirty="0" smtClean="0"/>
+              <a:t>Shabbir Hussain</a:t>
+            </a:r>
+          </a:p>
+          <a:p>
+            <a:r>
+              <a:rPr lang="en-CA" sz="2600" dirty="0" smtClean="0"/>
+              <a:t>U4 Electrical Engineering</a:t>
+            </a:r>
+          </a:p>
+          <a:p>
+            <a:r>
+              <a:rPr lang="en-CA" sz="2600" dirty="0" smtClean="0"/>
+              <a:t>Academic Vice President at ECSESS</a:t>
+            </a:r>
+          </a:p>
+          <a:p>
+            <a:r>
+              <a:rPr lang="en-CA" sz="2600" dirty="0" smtClean="0"/>
+              <a:t>Loves to program, eat pizza and take selfies</a:t>
+            </a:r>
+          </a:p>
+          <a:p>
+            <a:endParaRPr lang="en-CA" sz="2600" dirty="0"/>
+          </a:p>
+          <a:p>
+            <a:endParaRPr lang="en-CA" sz="2600" dirty="0" smtClean="0"/>
+          </a:p>
+          <a:p>
+            <a:r>
+              <a:rPr lang="en-CA" sz="2600" dirty="0" smtClean="0"/>
+              <a:t>Contact:</a:t>
+            </a:r>
+          </a:p>
+          <a:p>
+            <a:r>
+              <a:rPr lang="en-CA" sz="2600" dirty="0" smtClean="0">
+                <a:hlinkClick r:id="rId3"/>
+              </a:rPr>
+              <a:t>Shabbir.Hussain@mail.mcgill.ca</a:t>
+            </a:r>
+            <a:endParaRPr lang="en-CA" sz="2600" dirty="0" smtClean="0"/>
+          </a:p>
+          <a:p>
+            <a:r>
+              <a:rPr lang="en-CA" sz="2600" dirty="0">
+                <a:hlinkClick r:id="rId4"/>
+              </a:rPr>
+              <a:t>https://github.com/shabbir-hussain</a:t>
+            </a:r>
+            <a:r>
+              <a:rPr lang="en-CA" sz="2600" dirty="0" smtClean="0">
+                <a:hlinkClick r:id="rId4"/>
+              </a:rPr>
+              <a:t>/</a:t>
+            </a:r>
+            <a:endParaRPr lang="en-CA" sz="2600" dirty="0" smtClean="0"/>
+          </a:p>
+          <a:p>
+            <a:endParaRPr lang="en-CA" dirty="0" smtClean="0"/>
+          </a:p>
+        </p:txBody>
+      </p:sp>
+    </p:spTree>
+    <p:extLst>
+      <p:ext uri="{BB962C8B-B14F-4D97-AF65-F5344CB8AC3E}">
+        <p14:creationId xmlns:p14="http://schemas.microsoft.com/office/powerpoint/2010/main" val="2476417938"/>
+      </p:ext>
+    </p:extLst>
+  </p:cSld>
+  <p:clrMapOvr>
+    <a:masterClrMapping/>
+  </p:clrMapOvr>
+  <p:timing>
+    <p:tnLst>
+      <p:par>
+        <p:cTn id="1" dur="indefinite" restart="never" nodeType="tmRoot"/>
+      </p:par>
+    </p:tnLst>
+  </p:timing>
+</p:sld>
+</file>
+
+<file path=ppt/slides/slide20.xml><?xml version="1.0" encoding="utf-8"?>
 <p:sld xmlns:a="http://schemas.openxmlformats.org/drawingml/2006/main" xmlns:r="http://schemas.openxmlformats.org/officeDocument/2006/relationships" xmlns:p="http://schemas.openxmlformats.org/presentationml/2006/main">
   <p:cSld>
     <p:spTree>
@@ -11677,7 +12445,7 @@
 </p:sld>
 </file>
 
-<file path=ppt/slides/slide19.xml><?xml version="1.0" encoding="utf-8"?>
+<file path=ppt/slides/slide21.xml><?xml version="1.0" encoding="utf-8"?>
 <p:sld xmlns:a="http://schemas.openxmlformats.org/drawingml/2006/main" xmlns:r="http://schemas.openxmlformats.org/officeDocument/2006/relationships" xmlns:p="http://schemas.openxmlformats.org/presentationml/2006/main">
   <p:cSld>
     <p:spTree>
@@ -12012,187 +12780,7 @@
 </p:sld>
 </file>
 
-<file path=ppt/slides/slide2.xml><?xml version="1.0" encoding="utf-8"?>
-<p:sld xmlns:a="http://schemas.openxmlformats.org/drawingml/2006/main" xmlns:r="http://schemas.openxmlformats.org/officeDocument/2006/relationships" xmlns:p="http://schemas.openxmlformats.org/presentationml/2006/main">
-  <p:cSld>
-    <p:spTree>
-      <p:nvGrpSpPr>
-        <p:cNvPr id="1" name=""/>
-        <p:cNvGrpSpPr/>
-        <p:nvPr/>
-      </p:nvGrpSpPr>
-      <p:grpSpPr>
-        <a:xfrm>
-          <a:off x="0" y="0"/>
-          <a:ext cx="0" cy="0"/>
-          <a:chOff x="0" y="0"/>
-          <a:chExt cx="0" cy="0"/>
-        </a:xfrm>
-      </p:grpSpPr>
-      <p:sp>
-        <p:nvSpPr>
-          <p:cNvPr id="2" name="Title 1"/>
-          <p:cNvSpPr>
-            <a:spLocks noGrp="1"/>
-          </p:cNvSpPr>
-          <p:nvPr>
-            <p:ph type="title"/>
-          </p:nvPr>
-        </p:nvSpPr>
-        <p:spPr>
-          <a:xfrm>
-            <a:off x="125413" y="228600"/>
-            <a:ext cx="4575175" cy="1600200"/>
-          </a:xfrm>
-        </p:spPr>
-        <p:txBody>
-          <a:bodyPr>
-            <a:normAutofit/>
-          </a:bodyPr>
-          <a:lstStyle/>
-          <a:p>
-            <a:r>
-              <a:rPr lang="en-CA" sz="3600" dirty="0" smtClean="0"/>
-              <a:t>Your TA this semester </a:t>
-            </a:r>
-            <a:endParaRPr lang="en-CA" sz="3600" dirty="0"/>
-          </a:p>
-        </p:txBody>
-      </p:sp>
-      <p:pic>
-        <p:nvPicPr>
-          <p:cNvPr id="6" name="Content Placeholder 5"/>
-          <p:cNvPicPr>
-            <a:picLocks noGrp="1" noChangeAspect="1"/>
-          </p:cNvPicPr>
-          <p:nvPr>
-            <p:ph idx="1"/>
-          </p:nvPr>
-        </p:nvPicPr>
-        <p:blipFill rotWithShape="1">
-          <a:blip r:embed="rId2" cstate="print">
-            <a:extLst>
-              <a:ext uri="{28A0092B-C50C-407E-A947-70E740481C1C}">
-                <a14:useLocalDpi xmlns:a14="http://schemas.microsoft.com/office/drawing/2010/main" val="0"/>
-              </a:ext>
-            </a:extLst>
-          </a:blip>
-          <a:stretch/>
-        </p:blipFill>
-        <p:spPr>
-          <a:xfrm>
-            <a:off x="6857407" y="1123950"/>
-            <a:ext cx="2738038" cy="4873625"/>
-          </a:xfrm>
-        </p:spPr>
-      </p:pic>
-      <p:sp>
-        <p:nvSpPr>
-          <p:cNvPr id="4" name="Text Placeholder 3"/>
-          <p:cNvSpPr>
-            <a:spLocks noGrp="1"/>
-          </p:cNvSpPr>
-          <p:nvPr>
-            <p:ph type="body" sz="half" idx="2"/>
-          </p:nvPr>
-        </p:nvSpPr>
-        <p:spPr>
-          <a:xfrm>
-            <a:off x="225426" y="2185987"/>
-            <a:ext cx="6346825" cy="3811588"/>
-          </a:xfrm>
-        </p:spPr>
-        <p:txBody>
-          <a:bodyPr>
-            <a:normAutofit fontScale="92500" lnSpcReduction="10000"/>
-          </a:bodyPr>
-          <a:lstStyle/>
-          <a:p>
-            <a:r>
-              <a:rPr lang="en-CA" sz="2600" dirty="0" smtClean="0"/>
-              <a:t>Shabbir Hussain</a:t>
-            </a:r>
-          </a:p>
-          <a:p>
-            <a:r>
-              <a:rPr lang="en-CA" sz="2600" dirty="0" smtClean="0"/>
-              <a:t>U4 Electrical Engineering</a:t>
-            </a:r>
-          </a:p>
-          <a:p>
-            <a:r>
-              <a:rPr lang="en-CA" sz="2600" dirty="0" smtClean="0"/>
-              <a:t>Academic Vice President at ECSESS</a:t>
-            </a:r>
-          </a:p>
-          <a:p>
-            <a:r>
-              <a:rPr lang="en-CA" sz="2600" dirty="0" smtClean="0"/>
-              <a:t>Loves to program, eat pizza and take selfies</a:t>
-            </a:r>
-          </a:p>
-          <a:p>
-            <a:endParaRPr lang="en-CA" sz="2600" dirty="0"/>
-          </a:p>
-          <a:p>
-            <a:endParaRPr lang="en-CA" sz="2600" dirty="0" smtClean="0"/>
-          </a:p>
-          <a:p>
-            <a:r>
-              <a:rPr lang="en-CA" sz="2600" dirty="0" smtClean="0"/>
-              <a:t>Contact:</a:t>
-            </a:r>
-          </a:p>
-          <a:p>
-            <a:r>
-              <a:rPr lang="en-CA" sz="2600" dirty="0" smtClean="0">
-                <a:hlinkClick r:id="rId3"/>
-              </a:rPr>
-              <a:t>Shabbir.Hussain@mail.mcgill.ca</a:t>
-            </a:r>
-            <a:endParaRPr lang="en-CA" sz="2600" dirty="0" smtClean="0"/>
-          </a:p>
-          <a:p>
-            <a:r>
-              <a:rPr lang="en-CA" sz="2600" dirty="0">
-                <a:hlinkClick r:id="rId4"/>
-              </a:rPr>
-              <a:t>https://github.com/shabbir-hussain</a:t>
-            </a:r>
-            <a:r>
-              <a:rPr lang="en-CA" sz="2600" dirty="0" smtClean="0">
-                <a:hlinkClick r:id="rId4"/>
-              </a:rPr>
-              <a:t>/</a:t>
-            </a:r>
-            <a:endParaRPr lang="en-CA" sz="2600" dirty="0" smtClean="0"/>
-          </a:p>
-          <a:p>
-            <a:endParaRPr lang="en-CA" dirty="0" smtClean="0"/>
-          </a:p>
-        </p:txBody>
-      </p:sp>
-    </p:spTree>
-    <p:extLst>
-      <p:ext uri="{BB962C8B-B14F-4D97-AF65-F5344CB8AC3E}">
-        <p14:creationId xmlns:p14="http://schemas.microsoft.com/office/powerpoint/2010/main" val="2476417938"/>
-      </p:ext>
-    </p:extLst>
-  </p:cSld>
-  <p:clrMapOvr>
-    <a:masterClrMapping/>
-  </p:clrMapOvr>
-  <p:timing>
-    <p:tnLst>
-      <p:par>
-        <p:cTn id="1" dur="indefinite" restart="never" nodeType="tmRoot"/>
-      </p:par>
-    </p:tnLst>
-  </p:timing>
-</p:sld>
-</file>
-
-<file path=ppt/slides/slide20.xml><?xml version="1.0" encoding="utf-8"?>
+<file path=ppt/slides/slide22.xml><?xml version="1.0" encoding="utf-8"?>
 <p:sld xmlns:a="http://schemas.openxmlformats.org/drawingml/2006/main" xmlns:r="http://schemas.openxmlformats.org/officeDocument/2006/relationships" xmlns:p="http://schemas.openxmlformats.org/presentationml/2006/main">
   <p:cSld>
     <p:spTree>
@@ -12381,7 +12969,7 @@
 </p:sld>
 </file>
 
-<file path=ppt/slides/slide21.xml><?xml version="1.0" encoding="utf-8"?>
+<file path=ppt/slides/slide23.xml><?xml version="1.0" encoding="utf-8"?>
 <p:sld xmlns:a="http://schemas.openxmlformats.org/drawingml/2006/main" xmlns:r="http://schemas.openxmlformats.org/officeDocument/2006/relationships" xmlns:p="http://schemas.openxmlformats.org/presentationml/2006/main">
   <p:cSld>
     <p:spTree>
@@ -12702,7 +13290,7 @@
 </p:sld>
 </file>
 
-<file path=ppt/slides/slide22.xml><?xml version="1.0" encoding="utf-8"?>
+<file path=ppt/slides/slide24.xml><?xml version="1.0" encoding="utf-8"?>
 <p:sld xmlns:a="http://schemas.openxmlformats.org/drawingml/2006/main" xmlns:r="http://schemas.openxmlformats.org/officeDocument/2006/relationships" xmlns:p="http://schemas.openxmlformats.org/presentationml/2006/main">
   <p:cSld>
     <p:spTree>
@@ -13017,7 +13605,7 @@
 </p:sld>
 </file>
 
-<file path=ppt/slides/slide23.xml><?xml version="1.0" encoding="utf-8"?>
+<file path=ppt/slides/slide25.xml><?xml version="1.0" encoding="utf-8"?>
 <p:sld xmlns:a="http://schemas.openxmlformats.org/drawingml/2006/main" xmlns:r="http://schemas.openxmlformats.org/officeDocument/2006/relationships" xmlns:p="http://schemas.openxmlformats.org/presentationml/2006/main">
   <p:cSld>
     <p:spTree>
@@ -13102,7 +13690,7 @@
 </p:sld>
 </file>
 
-<file path=ppt/slides/slide24.xml><?xml version="1.0" encoding="utf-8"?>
+<file path=ppt/slides/slide26.xml><?xml version="1.0" encoding="utf-8"?>
 <p:sld xmlns:a="http://schemas.openxmlformats.org/drawingml/2006/main" xmlns:r="http://schemas.openxmlformats.org/officeDocument/2006/relationships" xmlns:p="http://schemas.openxmlformats.org/presentationml/2006/main">
   <p:cSld>
     <p:spTree>
@@ -13239,7 +13827,7 @@
 </p:sld>
 </file>
 
-<file path=ppt/slides/slide25.xml><?xml version="1.0" encoding="utf-8"?>
+<file path=ppt/slides/slide27.xml><?xml version="1.0" encoding="utf-8"?>
 <p:sld xmlns:a="http://schemas.openxmlformats.org/drawingml/2006/main" xmlns:r="http://schemas.openxmlformats.org/officeDocument/2006/relationships" xmlns:p="http://schemas.openxmlformats.org/presentationml/2006/main">
   <p:cSld>
     <p:spTree>
@@ -13316,7 +13904,7 @@
 </p:sld>
 </file>
 
-<file path=ppt/slides/slide26.xml><?xml version="1.0" encoding="utf-8"?>
+<file path=ppt/slides/slide28.xml><?xml version="1.0" encoding="utf-8"?>
 <p:sld xmlns:a="http://schemas.openxmlformats.org/drawingml/2006/main" xmlns:r="http://schemas.openxmlformats.org/officeDocument/2006/relationships" xmlns:p="http://schemas.openxmlformats.org/presentationml/2006/main">
   <p:cSld>
     <p:spTree>
@@ -13623,7 +14211,7 @@
 </p:sld>
 </file>
 
-<file path=ppt/slides/slide27.xml><?xml version="1.0" encoding="utf-8"?>
+<file path=ppt/slides/slide29.xml><?xml version="1.0" encoding="utf-8"?>
 <p:sld xmlns:a="http://schemas.openxmlformats.org/drawingml/2006/main" xmlns:r="http://schemas.openxmlformats.org/officeDocument/2006/relationships" xmlns:p="http://schemas.openxmlformats.org/presentationml/2006/main">
   <p:cSld>
     <p:spTree>
@@ -13702,7 +14290,218 @@
 </p:sld>
 </file>
 
-<file path=ppt/slides/slide28.xml><?xml version="1.0" encoding="utf-8"?>
+<file path=ppt/slides/slide3.xml><?xml version="1.0" encoding="utf-8"?>
+<p:sld xmlns:a="http://schemas.openxmlformats.org/drawingml/2006/main" xmlns:r="http://schemas.openxmlformats.org/officeDocument/2006/relationships" xmlns:p="http://schemas.openxmlformats.org/presentationml/2006/main">
+  <p:cSld>
+    <p:spTree>
+      <p:nvGrpSpPr>
+        <p:cNvPr id="1" name=""/>
+        <p:cNvGrpSpPr/>
+        <p:nvPr/>
+      </p:nvGrpSpPr>
+      <p:grpSpPr>
+        <a:xfrm>
+          <a:off x="0" y="0"/>
+          <a:ext cx="0" cy="0"/>
+          <a:chOff x="0" y="0"/>
+          <a:chExt cx="0" cy="0"/>
+        </a:xfrm>
+      </p:grpSpPr>
+      <p:sp>
+        <p:nvSpPr>
+          <p:cNvPr id="2" name="Title 1"/>
+          <p:cNvSpPr>
+            <a:spLocks noGrp="1"/>
+          </p:cNvSpPr>
+          <p:nvPr>
+            <p:ph type="title"/>
+          </p:nvPr>
+        </p:nvSpPr>
+        <p:spPr/>
+        <p:txBody>
+          <a:bodyPr/>
+          <a:lstStyle/>
+          <a:p>
+            <a:r>
+              <a:rPr lang="en-CA" dirty="0" smtClean="0"/>
+              <a:t>What are we doing today?</a:t>
+            </a:r>
+            <a:endParaRPr lang="en-CA" dirty="0"/>
+          </a:p>
+        </p:txBody>
+      </p:sp>
+      <p:sp>
+        <p:nvSpPr>
+          <p:cNvPr id="3" name="Content Placeholder 2"/>
+          <p:cNvSpPr>
+            <a:spLocks noGrp="1"/>
+          </p:cNvSpPr>
+          <p:nvPr>
+            <p:ph idx="1"/>
+          </p:nvPr>
+        </p:nvSpPr>
+        <p:spPr/>
+        <p:txBody>
+          <a:bodyPr/>
+          <a:lstStyle/>
+          <a:p>
+            <a:pPr marL="514350" indent="-514350">
+              <a:buFont typeface="+mj-lt"/>
+              <a:buAutoNum type="arabicPeriod"/>
+            </a:pPr>
+            <a:r>
+              <a:rPr lang="en-CA" b="1" dirty="0" smtClean="0">
+                <a:solidFill>
+                  <a:srgbClr val="00B050"/>
+                </a:solidFill>
+              </a:rPr>
+              <a:t>Installing</a:t>
+            </a:r>
+            <a:r>
+              <a:rPr lang="en-CA" dirty="0" smtClean="0"/>
+              <a:t> Eclipse</a:t>
+            </a:r>
+          </a:p>
+          <a:p>
+            <a:pPr marL="514350" indent="-514350">
+              <a:buFont typeface="+mj-lt"/>
+              <a:buAutoNum type="arabicPeriod"/>
+            </a:pPr>
+            <a:r>
+              <a:rPr lang="en-CA" b="1" dirty="0" smtClean="0">
+                <a:solidFill>
+                  <a:srgbClr val="00B0F0"/>
+                </a:solidFill>
+              </a:rPr>
+              <a:t>Installing</a:t>
+            </a:r>
+            <a:r>
+              <a:rPr lang="en-CA" dirty="0" smtClean="0"/>
+              <a:t> Git</a:t>
+            </a:r>
+          </a:p>
+          <a:p>
+            <a:pPr marL="514350" indent="-514350">
+              <a:buFont typeface="+mj-lt"/>
+              <a:buAutoNum type="arabicPeriod"/>
+            </a:pPr>
+            <a:r>
+              <a:rPr lang="en-CA" b="1" dirty="0" smtClean="0">
+                <a:solidFill>
+                  <a:srgbClr val="FFC000"/>
+                </a:solidFill>
+              </a:rPr>
+              <a:t>Configuring</a:t>
+            </a:r>
+            <a:r>
+              <a:rPr lang="en-CA" dirty="0" smtClean="0"/>
+              <a:t> Git</a:t>
+            </a:r>
+          </a:p>
+          <a:p>
+            <a:pPr marL="514350" indent="-514350">
+              <a:buFont typeface="+mj-lt"/>
+              <a:buAutoNum type="arabicPeriod"/>
+            </a:pPr>
+            <a:r>
+              <a:rPr lang="en-CA" b="1" dirty="0" smtClean="0">
+                <a:solidFill>
+                  <a:srgbClr val="92D050"/>
+                </a:solidFill>
+              </a:rPr>
+              <a:t>Short break</a:t>
+            </a:r>
+          </a:p>
+          <a:p>
+            <a:pPr marL="514350" indent="-514350">
+              <a:buFont typeface="+mj-lt"/>
+              <a:buAutoNum type="arabicPeriod"/>
+            </a:pPr>
+            <a:r>
+              <a:rPr lang="en-CA" b="1" dirty="0" smtClean="0">
+                <a:solidFill>
+                  <a:srgbClr val="7030A0"/>
+                </a:solidFill>
+              </a:rPr>
+              <a:t>Basics</a:t>
+            </a:r>
+            <a:r>
+              <a:rPr lang="en-CA" dirty="0" smtClean="0"/>
+              <a:t> of Git</a:t>
+            </a:r>
+            <a:endParaRPr lang="en-CA" dirty="0"/>
+          </a:p>
+        </p:txBody>
+      </p:sp>
+      <p:sp>
+        <p:nvSpPr>
+          <p:cNvPr id="4" name="TextBox 3"/>
+          <p:cNvSpPr txBox="1"/>
+          <p:nvPr/>
+        </p:nvSpPr>
+        <p:spPr>
+          <a:xfrm>
+            <a:off x="5772150" y="2671763"/>
+            <a:ext cx="4740080" cy="523220"/>
+          </a:xfrm>
+          <a:prstGeom prst="rect">
+            <a:avLst/>
+          </a:prstGeom>
+        </p:spPr>
+        <p:style>
+          <a:lnRef idx="2">
+            <a:schemeClr val="accent1"/>
+          </a:lnRef>
+          <a:fillRef idx="1">
+            <a:schemeClr val="lt1"/>
+          </a:fillRef>
+          <a:effectRef idx="0">
+            <a:schemeClr val="accent1"/>
+          </a:effectRef>
+          <a:fontRef idx="minor">
+            <a:schemeClr val="dk1"/>
+          </a:fontRef>
+        </p:style>
+        <p:txBody>
+          <a:bodyPr wrap="none" rtlCol="0">
+            <a:spAutoFit/>
+          </a:bodyPr>
+          <a:lstStyle/>
+          <a:p>
+            <a:r>
+              <a:rPr lang="en-CA" sz="2800" dirty="0" smtClean="0"/>
+              <a:t>Bring your </a:t>
+            </a:r>
+            <a:r>
+              <a:rPr lang="en-CA" sz="2800" b="1" dirty="0" smtClean="0">
+                <a:solidFill>
+                  <a:srgbClr val="FF0000"/>
+                </a:solidFill>
+              </a:rPr>
+              <a:t>Laptops</a:t>
+            </a:r>
+            <a:r>
+              <a:rPr lang="en-CA" sz="2800" dirty="0" smtClean="0"/>
+              <a:t> to tutorials!</a:t>
+            </a:r>
+            <a:endParaRPr lang="en-CA" dirty="0"/>
+          </a:p>
+        </p:txBody>
+      </p:sp>
+    </p:spTree>
+    <p:extLst>
+      <p:ext uri="{BB962C8B-B14F-4D97-AF65-F5344CB8AC3E}">
+        <p14:creationId xmlns:p14="http://schemas.microsoft.com/office/powerpoint/2010/main" val="2855969959"/>
+      </p:ext>
+    </p:extLst>
+  </p:cSld>
+  <p:clrMapOvr>
+    <a:masterClrMapping/>
+  </p:clrMapOvr>
+</p:sld>
+</file>
+
+<file path=ppt/slides/slide30.xml><?xml version="1.0" encoding="utf-8"?>
 <p:sld xmlns:a="http://schemas.openxmlformats.org/drawingml/2006/main" xmlns:r="http://schemas.openxmlformats.org/officeDocument/2006/relationships" xmlns:p="http://schemas.openxmlformats.org/presentationml/2006/main">
   <p:cSld>
     <p:spTree>
@@ -13955,7 +14754,7 @@
 </p:sld>
 </file>
 
-<file path=ppt/slides/slide29.xml><?xml version="1.0" encoding="utf-8"?>
+<file path=ppt/slides/slide31.xml><?xml version="1.0" encoding="utf-8"?>
 <p:sld xmlns:a="http://schemas.openxmlformats.org/drawingml/2006/main" xmlns:r="http://schemas.openxmlformats.org/officeDocument/2006/relationships" xmlns:p="http://schemas.openxmlformats.org/presentationml/2006/main">
   <p:cSld>
     <p:spTree>
@@ -14218,192 +15017,7 @@
 </p:sld>
 </file>
 
-<file path=ppt/slides/slide3.xml><?xml version="1.0" encoding="utf-8"?>
-<p:sld xmlns:a="http://schemas.openxmlformats.org/drawingml/2006/main" xmlns:r="http://schemas.openxmlformats.org/officeDocument/2006/relationships" xmlns:p="http://schemas.openxmlformats.org/presentationml/2006/main">
-  <p:cSld>
-    <p:spTree>
-      <p:nvGrpSpPr>
-        <p:cNvPr id="1" name=""/>
-        <p:cNvGrpSpPr/>
-        <p:nvPr/>
-      </p:nvGrpSpPr>
-      <p:grpSpPr>
-        <a:xfrm>
-          <a:off x="0" y="0"/>
-          <a:ext cx="0" cy="0"/>
-          <a:chOff x="0" y="0"/>
-          <a:chExt cx="0" cy="0"/>
-        </a:xfrm>
-      </p:grpSpPr>
-      <p:sp>
-        <p:nvSpPr>
-          <p:cNvPr id="2" name="Title 1"/>
-          <p:cNvSpPr>
-            <a:spLocks noGrp="1"/>
-          </p:cNvSpPr>
-          <p:nvPr>
-            <p:ph type="title"/>
-          </p:nvPr>
-        </p:nvSpPr>
-        <p:spPr/>
-        <p:txBody>
-          <a:bodyPr/>
-          <a:lstStyle/>
-          <a:p>
-            <a:r>
-              <a:rPr lang="en-CA" dirty="0" smtClean="0"/>
-              <a:t>Eclipse IDE</a:t>
-            </a:r>
-            <a:endParaRPr lang="en-CA" dirty="0"/>
-          </a:p>
-        </p:txBody>
-      </p:sp>
-      <p:pic>
-        <p:nvPicPr>
-          <p:cNvPr id="1026" name="Picture 2" descr="http://javastart.pl/wp-content/uploads/2011/03/eclipse_ide.jpg"/>
-          <p:cNvPicPr>
-            <a:picLocks noChangeAspect="1" noChangeArrowheads="1"/>
-          </p:cNvPicPr>
-          <p:nvPr/>
-        </p:nvPicPr>
-        <p:blipFill>
-          <a:blip r:embed="rId2">
-            <a:extLst>
-              <a:ext uri="{28A0092B-C50C-407E-A947-70E740481C1C}">
-                <a14:useLocalDpi xmlns:a14="http://schemas.microsoft.com/office/drawing/2010/main" val="0"/>
-              </a:ext>
-            </a:extLst>
-          </a:blip>
-          <a:srcRect/>
-          <a:stretch>
-            <a:fillRect/>
-          </a:stretch>
-        </p:blipFill>
-        <p:spPr bwMode="auto">
-          <a:xfrm>
-            <a:off x="8856662" y="387350"/>
-            <a:ext cx="2857500" cy="1885950"/>
-          </a:xfrm>
-          <a:prstGeom prst="rect">
-            <a:avLst/>
-          </a:prstGeom>
-          <a:noFill/>
-          <a:extLst>
-            <a:ext uri="{909E8E84-426E-40DD-AFC4-6F175D3DCCD1}">
-              <a14:hiddenFill xmlns:a14="http://schemas.microsoft.com/office/drawing/2010/main">
-                <a:solidFill>
-                  <a:srgbClr val="FFFFFF"/>
-                </a:solidFill>
-              </a14:hiddenFill>
-            </a:ext>
-          </a:extLst>
-        </p:spPr>
-      </p:pic>
-      <p:sp>
-        <p:nvSpPr>
-          <p:cNvPr id="5" name="Content Placeholder 4"/>
-          <p:cNvSpPr>
-            <a:spLocks noGrp="1"/>
-          </p:cNvSpPr>
-          <p:nvPr>
-            <p:ph idx="1"/>
-          </p:nvPr>
-        </p:nvSpPr>
-        <p:spPr/>
-        <p:txBody>
-          <a:bodyPr/>
-          <a:lstStyle/>
-          <a:p>
-            <a:r>
-              <a:rPr lang="en-CA" dirty="0" smtClean="0"/>
-              <a:t>IDE: Integrated Development Environment</a:t>
-            </a:r>
-          </a:p>
-          <a:p>
-            <a:r>
-              <a:rPr lang="en-CA" b="1" dirty="0" smtClean="0">
-                <a:solidFill>
-                  <a:srgbClr val="00B050"/>
-                </a:solidFill>
-              </a:rPr>
-              <a:t>Write</a:t>
-            </a:r>
-            <a:r>
-              <a:rPr lang="en-CA" dirty="0" smtClean="0">
-                <a:solidFill>
-                  <a:srgbClr val="00B050"/>
-                </a:solidFill>
-              </a:rPr>
-              <a:t> </a:t>
-            </a:r>
-            <a:r>
-              <a:rPr lang="en-CA" dirty="0" smtClean="0"/>
-              <a:t>code, </a:t>
-            </a:r>
-            <a:r>
-              <a:rPr lang="en-CA" b="1" dirty="0" smtClean="0">
-                <a:solidFill>
-                  <a:srgbClr val="00B050"/>
-                </a:solidFill>
-              </a:rPr>
-              <a:t>compile</a:t>
-            </a:r>
-            <a:r>
-              <a:rPr lang="en-CA" dirty="0" smtClean="0"/>
-              <a:t>, </a:t>
-            </a:r>
-            <a:r>
-              <a:rPr lang="en-CA" b="1" dirty="0" smtClean="0">
-                <a:solidFill>
-                  <a:srgbClr val="00B050"/>
-                </a:solidFill>
-              </a:rPr>
-              <a:t>test</a:t>
-            </a:r>
-            <a:r>
-              <a:rPr lang="en-CA" dirty="0" smtClean="0"/>
-              <a:t>  all in one program</a:t>
-            </a:r>
-            <a:endParaRPr lang="en-CA" dirty="0"/>
-          </a:p>
-          <a:p>
-            <a:r>
-              <a:rPr lang="en-CA" dirty="0">
-                <a:hlinkClick r:id="rId3"/>
-              </a:rPr>
-              <a:t>https://eclipse.org/downloads/</a:t>
-            </a:r>
-            <a:r>
-              <a:rPr lang="en-CA" dirty="0"/>
-              <a:t> </a:t>
-            </a:r>
-          </a:p>
-          <a:p>
-            <a:endParaRPr lang="en-CA" dirty="0"/>
-          </a:p>
-        </p:txBody>
-      </p:sp>
-    </p:spTree>
-    <p:extLst>
-      <p:ext uri="{BB962C8B-B14F-4D97-AF65-F5344CB8AC3E}">
-        <p14:creationId xmlns:p14="http://schemas.microsoft.com/office/powerpoint/2010/main" val="3603965269"/>
-      </p:ext>
-    </p:extLst>
-  </p:cSld>
-  <p:clrMapOvr>
-    <a:masterClrMapping/>
-  </p:clrMapOvr>
-  <p:timing>
-    <p:tnLst>
-      <p:par>
-        <p:cTn id="1" dur="indefinite" restart="never" nodeType="tmRoot"/>
-      </p:par>
-    </p:tnLst>
-  </p:timing>
-</p:sld>
-</file>
-
-<file path=ppt/slides/slide30.xml><?xml version="1.0" encoding="utf-8"?>
+<file path=ppt/slides/slide32.xml><?xml version="1.0" encoding="utf-8"?>
 <p:sld xmlns:a="http://schemas.openxmlformats.org/drawingml/2006/main" xmlns:r="http://schemas.openxmlformats.org/officeDocument/2006/relationships" xmlns:p="http://schemas.openxmlformats.org/presentationml/2006/main">
   <p:cSld>
     <p:spTree>
@@ -14812,7 +15426,7 @@
 </p:sld>
 </file>
 
-<file path=ppt/slides/slide31.xml><?xml version="1.0" encoding="utf-8"?>
+<file path=ppt/slides/slide33.xml><?xml version="1.0" encoding="utf-8"?>
 <p:sld xmlns:a="http://schemas.openxmlformats.org/drawingml/2006/main" xmlns:r="http://schemas.openxmlformats.org/officeDocument/2006/relationships" xmlns:p="http://schemas.openxmlformats.org/presentationml/2006/main">
   <p:cSld>
     <p:spTree>
@@ -14894,7 +15508,7 @@
 </p:sld>
 </file>
 
-<file path=ppt/slides/slide32.xml><?xml version="1.0" encoding="utf-8"?>
+<file path=ppt/slides/slide34.xml><?xml version="1.0" encoding="utf-8"?>
 <p:sld xmlns:a="http://schemas.openxmlformats.org/drawingml/2006/main" xmlns:r="http://schemas.openxmlformats.org/officeDocument/2006/relationships" xmlns:p="http://schemas.openxmlformats.org/presentationml/2006/main">
   <p:cSld>
     <p:spTree>
@@ -15017,7 +15631,7 @@
 </p:sld>
 </file>
 
-<file path=ppt/slides/slide33.xml><?xml version="1.0" encoding="utf-8"?>
+<file path=ppt/slides/slide35.xml><?xml version="1.0" encoding="utf-8"?>
 <p:sld xmlns:a="http://schemas.openxmlformats.org/drawingml/2006/main" xmlns:r="http://schemas.openxmlformats.org/officeDocument/2006/relationships" xmlns:p="http://schemas.openxmlformats.org/presentationml/2006/main">
   <p:cSld>
     <p:spTree>
@@ -15506,6 +16120,191 @@
           <a:lstStyle/>
           <a:p>
             <a:r>
+              <a:rPr lang="en-CA" dirty="0" smtClean="0"/>
+              <a:t>Eclipse IDE</a:t>
+            </a:r>
+            <a:endParaRPr lang="en-CA" dirty="0"/>
+          </a:p>
+        </p:txBody>
+      </p:sp>
+      <p:pic>
+        <p:nvPicPr>
+          <p:cNvPr id="1026" name="Picture 2" descr="http://javastart.pl/wp-content/uploads/2011/03/eclipse_ide.jpg"/>
+          <p:cNvPicPr>
+            <a:picLocks noChangeAspect="1" noChangeArrowheads="1"/>
+          </p:cNvPicPr>
+          <p:nvPr/>
+        </p:nvPicPr>
+        <p:blipFill>
+          <a:blip r:embed="rId2">
+            <a:extLst>
+              <a:ext uri="{28A0092B-C50C-407E-A947-70E740481C1C}">
+                <a14:useLocalDpi xmlns:a14="http://schemas.microsoft.com/office/drawing/2010/main" val="0"/>
+              </a:ext>
+            </a:extLst>
+          </a:blip>
+          <a:srcRect/>
+          <a:stretch>
+            <a:fillRect/>
+          </a:stretch>
+        </p:blipFill>
+        <p:spPr bwMode="auto">
+          <a:xfrm>
+            <a:off x="8856662" y="387350"/>
+            <a:ext cx="2857500" cy="1885950"/>
+          </a:xfrm>
+          <a:prstGeom prst="rect">
+            <a:avLst/>
+          </a:prstGeom>
+          <a:noFill/>
+          <a:extLst>
+            <a:ext uri="{909E8E84-426E-40DD-AFC4-6F175D3DCCD1}">
+              <a14:hiddenFill xmlns:a14="http://schemas.microsoft.com/office/drawing/2010/main">
+                <a:solidFill>
+                  <a:srgbClr val="FFFFFF"/>
+                </a:solidFill>
+              </a14:hiddenFill>
+            </a:ext>
+          </a:extLst>
+        </p:spPr>
+      </p:pic>
+      <p:sp>
+        <p:nvSpPr>
+          <p:cNvPr id="5" name="Content Placeholder 4"/>
+          <p:cNvSpPr>
+            <a:spLocks noGrp="1"/>
+          </p:cNvSpPr>
+          <p:nvPr>
+            <p:ph idx="1"/>
+          </p:nvPr>
+        </p:nvSpPr>
+        <p:spPr/>
+        <p:txBody>
+          <a:bodyPr/>
+          <a:lstStyle/>
+          <a:p>
+            <a:r>
+              <a:rPr lang="en-CA" dirty="0" smtClean="0"/>
+              <a:t>IDE: Integrated Development Environment</a:t>
+            </a:r>
+          </a:p>
+          <a:p>
+            <a:r>
+              <a:rPr lang="en-CA" b="1" dirty="0" smtClean="0">
+                <a:solidFill>
+                  <a:srgbClr val="00B050"/>
+                </a:solidFill>
+              </a:rPr>
+              <a:t>Write</a:t>
+            </a:r>
+            <a:r>
+              <a:rPr lang="en-CA" dirty="0" smtClean="0">
+                <a:solidFill>
+                  <a:srgbClr val="00B050"/>
+                </a:solidFill>
+              </a:rPr>
+              <a:t> </a:t>
+            </a:r>
+            <a:r>
+              <a:rPr lang="en-CA" dirty="0" smtClean="0"/>
+              <a:t>code, </a:t>
+            </a:r>
+            <a:r>
+              <a:rPr lang="en-CA" b="1" dirty="0" smtClean="0">
+                <a:solidFill>
+                  <a:srgbClr val="00B050"/>
+                </a:solidFill>
+              </a:rPr>
+              <a:t>compile</a:t>
+            </a:r>
+            <a:r>
+              <a:rPr lang="en-CA" dirty="0" smtClean="0"/>
+              <a:t>, </a:t>
+            </a:r>
+            <a:r>
+              <a:rPr lang="en-CA" b="1" dirty="0" smtClean="0">
+                <a:solidFill>
+                  <a:srgbClr val="00B050"/>
+                </a:solidFill>
+              </a:rPr>
+              <a:t>test</a:t>
+            </a:r>
+            <a:r>
+              <a:rPr lang="en-CA" dirty="0" smtClean="0"/>
+              <a:t>  all in one program</a:t>
+            </a:r>
+            <a:endParaRPr lang="en-CA" dirty="0"/>
+          </a:p>
+          <a:p>
+            <a:r>
+              <a:rPr lang="en-CA" dirty="0">
+                <a:hlinkClick r:id="rId3"/>
+              </a:rPr>
+              <a:t>https://eclipse.org/downloads/</a:t>
+            </a:r>
+            <a:r>
+              <a:rPr lang="en-CA" dirty="0"/>
+              <a:t> </a:t>
+            </a:r>
+          </a:p>
+          <a:p>
+            <a:endParaRPr lang="en-CA" dirty="0"/>
+          </a:p>
+        </p:txBody>
+      </p:sp>
+    </p:spTree>
+    <p:extLst>
+      <p:ext uri="{BB962C8B-B14F-4D97-AF65-F5344CB8AC3E}">
+        <p14:creationId xmlns:p14="http://schemas.microsoft.com/office/powerpoint/2010/main" val="3603965269"/>
+      </p:ext>
+    </p:extLst>
+  </p:cSld>
+  <p:clrMapOvr>
+    <a:masterClrMapping/>
+  </p:clrMapOvr>
+  <p:timing>
+    <p:tnLst>
+      <p:par>
+        <p:cTn id="1" dur="indefinite" restart="never" nodeType="tmRoot"/>
+      </p:par>
+    </p:tnLst>
+  </p:timing>
+</p:sld>
+</file>
+
+<file path=ppt/slides/slide7.xml><?xml version="1.0" encoding="utf-8"?>
+<p:sld xmlns:a="http://schemas.openxmlformats.org/drawingml/2006/main" xmlns:r="http://schemas.openxmlformats.org/officeDocument/2006/relationships" xmlns:p="http://schemas.openxmlformats.org/presentationml/2006/main">
+  <p:cSld>
+    <p:spTree>
+      <p:nvGrpSpPr>
+        <p:cNvPr id="1" name=""/>
+        <p:cNvGrpSpPr/>
+        <p:nvPr/>
+      </p:nvGrpSpPr>
+      <p:grpSpPr>
+        <a:xfrm>
+          <a:off x="0" y="0"/>
+          <a:ext cx="0" cy="0"/>
+          <a:chOff x="0" y="0"/>
+          <a:chExt cx="0" cy="0"/>
+        </a:xfrm>
+      </p:grpSpPr>
+      <p:sp>
+        <p:nvSpPr>
+          <p:cNvPr id="2" name="Title 1"/>
+          <p:cNvSpPr>
+            <a:spLocks noGrp="1"/>
+          </p:cNvSpPr>
+          <p:nvPr>
+            <p:ph type="title"/>
+          </p:nvPr>
+        </p:nvSpPr>
+        <p:spPr/>
+        <p:txBody>
+          <a:bodyPr/>
+          <a:lstStyle/>
+          <a:p>
+            <a:r>
               <a:rPr lang="en-US" dirty="0" smtClean="0"/>
               <a:t>Let get </a:t>
             </a:r>
@@ -15562,7 +16361,7 @@
 </p:sld>
 </file>
 
-<file path=ppt/slides/slide7.xml><?xml version="1.0" encoding="utf-8"?>
+<file path=ppt/slides/slide8.xml><?xml version="1.0" encoding="utf-8"?>
 <p:sld xmlns:a="http://schemas.openxmlformats.org/drawingml/2006/main" xmlns:r="http://schemas.openxmlformats.org/officeDocument/2006/relationships" xmlns:p="http://schemas.openxmlformats.org/presentationml/2006/main">
   <p:cSld>
     <p:spTree>
@@ -16008,7 +16807,7 @@
 </p:sld>
 </file>
 
-<file path=ppt/slides/slide8.xml><?xml version="1.0" encoding="utf-8"?>
+<file path=ppt/slides/slide9.xml><?xml version="1.0" encoding="utf-8"?>
 <p:sld xmlns:a="http://schemas.openxmlformats.org/drawingml/2006/main" xmlns:r="http://schemas.openxmlformats.org/officeDocument/2006/relationships" xmlns:p="http://schemas.openxmlformats.org/presentationml/2006/main">
   <p:cSld>
     <p:spTree>
@@ -16240,179 +17039,6 @@
     <p:extLst>
       <p:ext uri="{BB962C8B-B14F-4D97-AF65-F5344CB8AC3E}">
         <p14:creationId xmlns:p14="http://schemas.microsoft.com/office/powerpoint/2010/main" val="3392569427"/>
-      </p:ext>
-    </p:extLst>
-  </p:cSld>
-  <p:clrMapOvr>
-    <a:masterClrMapping/>
-  </p:clrMapOvr>
-  <p:timing>
-    <p:tnLst>
-      <p:par>
-        <p:cTn id="1" dur="indefinite" restart="never" nodeType="tmRoot"/>
-      </p:par>
-    </p:tnLst>
-  </p:timing>
-</p:sld>
-</file>
-
-<file path=ppt/slides/slide9.xml><?xml version="1.0" encoding="utf-8"?>
-<p:sld xmlns:a="http://schemas.openxmlformats.org/drawingml/2006/main" xmlns:r="http://schemas.openxmlformats.org/officeDocument/2006/relationships" xmlns:p="http://schemas.openxmlformats.org/presentationml/2006/main">
-  <p:cSld>
-    <p:spTree>
-      <p:nvGrpSpPr>
-        <p:cNvPr id="1" name=""/>
-        <p:cNvGrpSpPr/>
-        <p:nvPr/>
-      </p:nvGrpSpPr>
-      <p:grpSpPr>
-        <a:xfrm>
-          <a:off x="0" y="0"/>
-          <a:ext cx="0" cy="0"/>
-          <a:chOff x="0" y="0"/>
-          <a:chExt cx="0" cy="0"/>
-        </a:xfrm>
-      </p:grpSpPr>
-      <p:sp>
-        <p:nvSpPr>
-          <p:cNvPr id="2" name="Title 1"/>
-          <p:cNvSpPr>
-            <a:spLocks noGrp="1"/>
-          </p:cNvSpPr>
-          <p:nvPr>
-            <p:ph type="title"/>
-          </p:nvPr>
-        </p:nvSpPr>
-        <p:spPr/>
-        <p:txBody>
-          <a:bodyPr/>
-          <a:lstStyle/>
-          <a:p>
-            <a:r>
-              <a:rPr lang="en-CA" dirty="0" smtClean="0"/>
-              <a:t>Pop Quiz</a:t>
-            </a:r>
-            <a:endParaRPr lang="en-CA" dirty="0"/>
-          </a:p>
-        </p:txBody>
-      </p:sp>
-      <p:sp>
-        <p:nvSpPr>
-          <p:cNvPr id="3" name="Content Placeholder 2"/>
-          <p:cNvSpPr>
-            <a:spLocks noGrp="1"/>
-          </p:cNvSpPr>
-          <p:nvPr>
-            <p:ph idx="1"/>
-          </p:nvPr>
-        </p:nvSpPr>
-        <p:spPr/>
-        <p:txBody>
-          <a:bodyPr/>
-          <a:lstStyle/>
-          <a:p>
-            <a:r>
-              <a:rPr lang="en-CA" dirty="0" smtClean="0"/>
-              <a:t>Would it be a good idea to use </a:t>
-            </a:r>
-            <a:r>
-              <a:rPr lang="en-CA" b="1" dirty="0" smtClean="0">
-                <a:solidFill>
-                  <a:schemeClr val="accent4">
-                    <a:lumMod val="75000"/>
-                  </a:schemeClr>
-                </a:solidFill>
-              </a:rPr>
-              <a:t>version control </a:t>
-            </a:r>
-            <a:r>
-              <a:rPr lang="en-CA" dirty="0" smtClean="0"/>
-              <a:t>on your </a:t>
-            </a:r>
-            <a:r>
-              <a:rPr lang="en-CA" b="1" dirty="0" smtClean="0">
-                <a:solidFill>
-                  <a:srgbClr val="00B050"/>
-                </a:solidFill>
-              </a:rPr>
-              <a:t>photo album</a:t>
-            </a:r>
-            <a:r>
-              <a:rPr lang="en-CA" dirty="0" smtClean="0"/>
-              <a:t>?</a:t>
-            </a:r>
-          </a:p>
-          <a:p>
-            <a:r>
-              <a:rPr lang="en-CA" dirty="0" smtClean="0"/>
-              <a:t>When would you want to </a:t>
-            </a:r>
-            <a:r>
-              <a:rPr lang="en-CA" b="1" dirty="0" smtClean="0">
-                <a:solidFill>
-                  <a:srgbClr val="00B050"/>
-                </a:solidFill>
-              </a:rPr>
-              <a:t>revert</a:t>
-            </a:r>
-            <a:r>
-              <a:rPr lang="en-CA" dirty="0" smtClean="0">
-                <a:solidFill>
-                  <a:srgbClr val="00B050"/>
-                </a:solidFill>
-              </a:rPr>
-              <a:t> </a:t>
-            </a:r>
-            <a:r>
-              <a:rPr lang="en-CA" dirty="0" smtClean="0"/>
-              <a:t>to a </a:t>
-            </a:r>
-            <a:r>
-              <a:rPr lang="en-CA" b="1" dirty="0" smtClean="0">
-                <a:solidFill>
-                  <a:srgbClr val="00B0F0"/>
-                </a:solidFill>
-              </a:rPr>
-              <a:t>previous version </a:t>
-            </a:r>
-            <a:r>
-              <a:rPr lang="en-CA" dirty="0" smtClean="0"/>
-              <a:t>of a file?</a:t>
-            </a:r>
-          </a:p>
-          <a:p>
-            <a:r>
-              <a:rPr lang="en-CA" dirty="0" smtClean="0"/>
-              <a:t>Why would you want to </a:t>
-            </a:r>
-            <a:r>
-              <a:rPr lang="en-CA" b="1" dirty="0" smtClean="0">
-                <a:solidFill>
-                  <a:srgbClr val="00B050"/>
-                </a:solidFill>
-              </a:rPr>
-              <a:t>branch</a:t>
-            </a:r>
-            <a:r>
-              <a:rPr lang="en-CA" dirty="0" smtClean="0">
-                <a:solidFill>
-                  <a:srgbClr val="00B050"/>
-                </a:solidFill>
-              </a:rPr>
-              <a:t> </a:t>
-            </a:r>
-            <a:r>
-              <a:rPr lang="en-CA" dirty="0" smtClean="0"/>
-              <a:t>your files?</a:t>
-            </a:r>
-            <a:endParaRPr lang="en-CA" dirty="0"/>
-          </a:p>
-        </p:txBody>
-      </p:sp>
-    </p:spTree>
-    <p:extLst>
-      <p:ext uri="{BB962C8B-B14F-4D97-AF65-F5344CB8AC3E}">
-        <p14:creationId xmlns:p14="http://schemas.microsoft.com/office/powerpoint/2010/main" val="3257195443"/>
       </p:ext>
     </p:extLst>
   </p:cSld>
